--- a/AmazonEKS入門.pptx
+++ b/AmazonEKS入門.pptx
@@ -13,17 +13,15 @@
     <p:sldId id="282" r:id="rId7"/>
     <p:sldId id="260" r:id="rId8"/>
     <p:sldId id="264" r:id="rId9"/>
-    <p:sldId id="279" r:id="rId10"/>
-    <p:sldId id="278" r:id="rId11"/>
-    <p:sldId id="266" r:id="rId12"/>
-    <p:sldId id="267" r:id="rId13"/>
-    <p:sldId id="268" r:id="rId14"/>
+    <p:sldId id="284" r:id="rId10"/>
+    <p:sldId id="270" r:id="rId11"/>
+    <p:sldId id="279" r:id="rId12"/>
+    <p:sldId id="278" r:id="rId13"/>
+    <p:sldId id="266" r:id="rId14"/>
     <p:sldId id="269" r:id="rId15"/>
-    <p:sldId id="270" r:id="rId16"/>
-    <p:sldId id="271" r:id="rId17"/>
-    <p:sldId id="272" r:id="rId18"/>
-    <p:sldId id="274" r:id="rId19"/>
-    <p:sldId id="283" r:id="rId20"/>
+    <p:sldId id="271" r:id="rId16"/>
+    <p:sldId id="272" r:id="rId17"/>
+    <p:sldId id="274" r:id="rId18"/>
   </p:sldIdLst>
   <p:sldSz cx="12192000" cy="6858000"/>
   <p:notesSz cx="6858000" cy="9144000"/>
@@ -4179,7 +4177,13 @@
   <p:cSld>
     <p:spTree>
       <p:nvGrpSpPr>
-        <p:cNvPr id="1" name=""/>
+        <p:cNvPr id="1" name="">
+          <a:extLst>
+            <a:ext uri="{FF2B5EF4-FFF2-40B4-BE49-F238E27FC236}">
+              <a16:creationId xmlns:a16="http://schemas.microsoft.com/office/drawing/2014/main" id="{3A355F86-4457-ACB3-8190-B7BF1A657B2D}"/>
+            </a:ext>
+          </a:extLst>
+        </p:cNvPr>
         <p:cNvGrpSpPr/>
         <p:nvPr/>
       </p:nvGrpSpPr>
@@ -4191,63 +4195,12 @@
           <a:chExt cx="0" cy="0"/>
         </a:xfrm>
       </p:grpSpPr>
-      <p:sp>
-        <p:nvSpPr>
-          <p:cNvPr id="6" name="テキスト ボックス 5">
-            <a:extLst>
-              <a:ext uri="{FF2B5EF4-FFF2-40B4-BE49-F238E27FC236}">
-                <a16:creationId xmlns:a16="http://schemas.microsoft.com/office/drawing/2014/main" id="{BDC3C97E-F607-4FD3-DE0E-8312F3FA7679}"/>
-              </a:ext>
-            </a:extLst>
-          </p:cNvPr>
-          <p:cNvSpPr txBox="1"/>
-          <p:nvPr/>
-        </p:nvSpPr>
-        <p:spPr>
-          <a:xfrm>
-            <a:off x="494950" y="436228"/>
-            <a:ext cx="10594228" cy="954107"/>
-          </a:xfrm>
-          <a:prstGeom prst="rect">
-            <a:avLst/>
-          </a:prstGeom>
-          <a:noFill/>
-        </p:spPr>
-        <p:txBody>
-          <a:bodyPr wrap="square" rtlCol="0">
-            <a:spAutoFit/>
-          </a:bodyPr>
-          <a:lstStyle/>
-          <a:p>
-            <a:r>
-              <a:rPr lang="en-US" altLang="ja-JP" sz="2800" dirty="0"/>
-              <a:t>Choice</a:t>
-            </a:r>
-            <a:r>
-              <a:rPr lang="ja-JP" altLang="en-US" sz="2800" dirty="0"/>
-              <a:t>で記事を取得できた時だけ処理を実行するようにする</a:t>
-            </a:r>
-            <a:br>
-              <a:rPr lang="en-US" altLang="ja-JP" sz="2800" dirty="0"/>
-            </a:br>
-            <a:r>
-              <a:rPr lang="en-US" altLang="ja-JP" sz="2800" dirty="0"/>
-              <a:t>Parallel</a:t>
-            </a:r>
-            <a:r>
-              <a:rPr lang="ja-JP" altLang="en-US" sz="2800" dirty="0"/>
-              <a:t>で英訳と音声化を並列に実行</a:t>
-            </a:r>
-            <a:endParaRPr lang="en-US" altLang="ja-JP" sz="2800" dirty="0"/>
-          </a:p>
-        </p:txBody>
-      </p:sp>
       <p:pic>
         <p:nvPicPr>
           <p:cNvPr id="3" name="図 2">
             <a:extLst>
               <a:ext uri="{FF2B5EF4-FFF2-40B4-BE49-F238E27FC236}">
-                <a16:creationId xmlns:a16="http://schemas.microsoft.com/office/drawing/2014/main" id="{015D760F-F405-85D5-A7A3-2DA42C37797F}"/>
+                <a16:creationId xmlns:a16="http://schemas.microsoft.com/office/drawing/2014/main" id="{C4936CDB-A8A1-6923-4A3B-8E5973C01C26}"/>
               </a:ext>
             </a:extLst>
           </p:cNvPr>
@@ -4264,14 +4217,427 @@
         </p:blipFill>
         <p:spPr>
           <a:xfrm>
-            <a:off x="736762" y="1390335"/>
-            <a:ext cx="10718475" cy="5040500"/>
+            <a:off x="918645" y="579344"/>
+            <a:ext cx="9297698" cy="5296639"/>
           </a:xfrm>
           <a:prstGeom prst="rect">
             <a:avLst/>
           </a:prstGeom>
         </p:spPr>
       </p:pic>
+    </p:spTree>
+    <p:extLst>
+      <p:ext uri="{BB962C8B-B14F-4D97-AF65-F5344CB8AC3E}">
+        <p14:creationId xmlns:p14="http://schemas.microsoft.com/office/powerpoint/2010/main" val="2888629864"/>
+      </p:ext>
+    </p:extLst>
+  </p:cSld>
+  <p:clrMapOvr>
+    <a:masterClrMapping/>
+  </p:clrMapOvr>
+</p:sld>
+</file>
+
+<file path=ppt/slides/slide11.xml><?xml version="1.0" encoding="utf-8"?>
+<p:sld xmlns:a="http://schemas.openxmlformats.org/drawingml/2006/main" xmlns:r="http://schemas.openxmlformats.org/officeDocument/2006/relationships" xmlns:p="http://schemas.openxmlformats.org/presentationml/2006/main">
+  <p:cSld>
+    <p:spTree>
+      <p:nvGrpSpPr>
+        <p:cNvPr id="1" name=""/>
+        <p:cNvGrpSpPr/>
+        <p:nvPr/>
+      </p:nvGrpSpPr>
+      <p:grpSpPr>
+        <a:xfrm>
+          <a:off x="0" y="0"/>
+          <a:ext cx="0" cy="0"/>
+          <a:chOff x="0" y="0"/>
+          <a:chExt cx="0" cy="0"/>
+        </a:xfrm>
+      </p:grpSpPr>
+      <p:sp>
+        <p:nvSpPr>
+          <p:cNvPr id="4" name="テキスト ボックス 3">
+            <a:extLst>
+              <a:ext uri="{FF2B5EF4-FFF2-40B4-BE49-F238E27FC236}">
+                <a16:creationId xmlns:a16="http://schemas.microsoft.com/office/drawing/2014/main" id="{4D18B523-245E-186E-B499-47996B2CA785}"/>
+              </a:ext>
+            </a:extLst>
+          </p:cNvPr>
+          <p:cNvSpPr txBox="1"/>
+          <p:nvPr/>
+        </p:nvSpPr>
+        <p:spPr>
+          <a:xfrm>
+            <a:off x="494949" y="436228"/>
+            <a:ext cx="4301496" cy="523220"/>
+          </a:xfrm>
+          <a:prstGeom prst="rect">
+            <a:avLst/>
+          </a:prstGeom>
+          <a:noFill/>
+        </p:spPr>
+        <p:txBody>
+          <a:bodyPr wrap="square" rtlCol="0">
+            <a:spAutoFit/>
+          </a:bodyPr>
+          <a:lstStyle/>
+          <a:p>
+            <a:r>
+              <a:rPr lang="en-US" altLang="ja-JP" sz="2800" dirty="0"/>
+              <a:t>OIDC</a:t>
+            </a:r>
+            <a:r>
+              <a:rPr lang="ja-JP" altLang="en-US" sz="2800" dirty="0"/>
+              <a:t>有効化</a:t>
+            </a:r>
+            <a:endParaRPr lang="en-US" altLang="ja-JP" sz="2800" dirty="0"/>
+          </a:p>
+        </p:txBody>
+      </p:sp>
+      <p:pic>
+        <p:nvPicPr>
+          <p:cNvPr id="3" name="図 2">
+            <a:extLst>
+              <a:ext uri="{FF2B5EF4-FFF2-40B4-BE49-F238E27FC236}">
+                <a16:creationId xmlns:a16="http://schemas.microsoft.com/office/drawing/2014/main" id="{39BEEF2C-1AE0-6DC1-F8B7-254AD7E12B77}"/>
+              </a:ext>
+            </a:extLst>
+          </p:cNvPr>
+          <p:cNvPicPr>
+            <a:picLocks noChangeAspect="1"/>
+          </p:cNvPicPr>
+          <p:nvPr/>
+        </p:nvPicPr>
+        <p:blipFill>
+          <a:blip r:embed="rId2"/>
+          <a:stretch>
+            <a:fillRect/>
+          </a:stretch>
+        </p:blipFill>
+        <p:spPr>
+          <a:xfrm>
+            <a:off x="595015" y="1144762"/>
+            <a:ext cx="11001970" cy="695908"/>
+          </a:xfrm>
+          <a:prstGeom prst="rect">
+            <a:avLst/>
+          </a:prstGeom>
+        </p:spPr>
+      </p:pic>
+      <p:sp>
+        <p:nvSpPr>
+          <p:cNvPr id="8" name="テキスト ボックス 7">
+            <a:extLst>
+              <a:ext uri="{FF2B5EF4-FFF2-40B4-BE49-F238E27FC236}">
+                <a16:creationId xmlns:a16="http://schemas.microsoft.com/office/drawing/2014/main" id="{5680A6B7-4F83-13BE-7BAD-FEE26ACFDD68}"/>
+              </a:ext>
+            </a:extLst>
+          </p:cNvPr>
+          <p:cNvSpPr txBox="1"/>
+          <p:nvPr/>
+        </p:nvSpPr>
+        <p:spPr>
+          <a:xfrm>
+            <a:off x="494948" y="2341927"/>
+            <a:ext cx="9647341" cy="523220"/>
+          </a:xfrm>
+          <a:prstGeom prst="rect">
+            <a:avLst/>
+          </a:prstGeom>
+          <a:noFill/>
+        </p:spPr>
+        <p:txBody>
+          <a:bodyPr wrap="square" rtlCol="0">
+            <a:spAutoFit/>
+          </a:bodyPr>
+          <a:lstStyle/>
+          <a:p>
+            <a:r>
+              <a:rPr lang="en-US" altLang="ja-JP" sz="2800" dirty="0"/>
+              <a:t>Pod</a:t>
+            </a:r>
+            <a:r>
+              <a:rPr lang="ja-JP" altLang="en-US" sz="2800" dirty="0"/>
+              <a:t>に</a:t>
+            </a:r>
+            <a:r>
+              <a:rPr lang="en-US" altLang="ja-JP" sz="2800" dirty="0"/>
+              <a:t>AWS</a:t>
+            </a:r>
+            <a:r>
+              <a:rPr lang="ja-JP" altLang="en-US" sz="2800" dirty="0"/>
+              <a:t>リソースを操作する権限を与えるために必要</a:t>
+            </a:r>
+            <a:endParaRPr lang="en-US" altLang="ja-JP" sz="2800" dirty="0"/>
+          </a:p>
+        </p:txBody>
+      </p:sp>
+      <p:sp>
+        <p:nvSpPr>
+          <p:cNvPr id="10" name="テキスト ボックス 9">
+            <a:extLst>
+              <a:ext uri="{FF2B5EF4-FFF2-40B4-BE49-F238E27FC236}">
+                <a16:creationId xmlns:a16="http://schemas.microsoft.com/office/drawing/2014/main" id="{7DEEED78-3D1B-6DCE-9FEC-98822254766E}"/>
+              </a:ext>
+            </a:extLst>
+          </p:cNvPr>
+          <p:cNvSpPr txBox="1"/>
+          <p:nvPr/>
+        </p:nvSpPr>
+        <p:spPr>
+          <a:xfrm>
+            <a:off x="595015" y="3346523"/>
+            <a:ext cx="9807334" cy="646331"/>
+          </a:xfrm>
+          <a:prstGeom prst="rect">
+            <a:avLst/>
+          </a:prstGeom>
+          <a:noFill/>
+        </p:spPr>
+        <p:txBody>
+          <a:bodyPr wrap="square">
+            <a:spAutoFit/>
+          </a:bodyPr>
+          <a:lstStyle/>
+          <a:p>
+            <a:r>
+              <a:rPr lang="ja-JP" altLang="en-US" dirty="0">
+                <a:latin typeface="游ゴシック 本文"/>
+                <a:hlinkClick r:id="rId3"/>
+              </a:rPr>
+              <a:t>参考</a:t>
+            </a:r>
+            <a:br>
+              <a:rPr lang="en-US" altLang="ja-JP" dirty="0">
+                <a:hlinkClick r:id="rId3"/>
+              </a:rPr>
+            </a:br>
+            <a:r>
+              <a:rPr lang="en-US" altLang="ja-JP" dirty="0">
+                <a:hlinkClick r:id="rId3"/>
+              </a:rPr>
+              <a:t>IAM Roles for Service Accounts(IRSA)</a:t>
+            </a:r>
+            <a:r>
+              <a:rPr lang="ja-JP" altLang="en-US" dirty="0">
+                <a:hlinkClick r:id="rId3"/>
+              </a:rPr>
+              <a:t>の仕組みを深堀りしてみた </a:t>
+            </a:r>
+            <a:r>
+              <a:rPr lang="en-US" altLang="ja-JP" dirty="0">
+                <a:hlinkClick r:id="rId3"/>
+              </a:rPr>
+              <a:t>- APC </a:t>
+            </a:r>
+            <a:r>
+              <a:rPr lang="ja-JP" altLang="en-US" dirty="0">
+                <a:hlinkClick r:id="rId3"/>
+              </a:rPr>
+              <a:t>技術ブログ</a:t>
+            </a:r>
+            <a:endParaRPr lang="ja-JP" altLang="en-US" dirty="0"/>
+          </a:p>
+        </p:txBody>
+      </p:sp>
+    </p:spTree>
+    <p:extLst>
+      <p:ext uri="{BB962C8B-B14F-4D97-AF65-F5344CB8AC3E}">
+        <p14:creationId xmlns:p14="http://schemas.microsoft.com/office/powerpoint/2010/main" val="2497884537"/>
+      </p:ext>
+    </p:extLst>
+  </p:cSld>
+  <p:clrMapOvr>
+    <a:masterClrMapping/>
+  </p:clrMapOvr>
+</p:sld>
+</file>
+
+<file path=ppt/slides/slide12.xml><?xml version="1.0" encoding="utf-8"?>
+<p:sld xmlns:a="http://schemas.openxmlformats.org/drawingml/2006/main" xmlns:r="http://schemas.openxmlformats.org/officeDocument/2006/relationships" xmlns:p="http://schemas.openxmlformats.org/presentationml/2006/main">
+  <p:cSld>
+    <p:spTree>
+      <p:nvGrpSpPr>
+        <p:cNvPr id="1" name=""/>
+        <p:cNvGrpSpPr/>
+        <p:nvPr/>
+      </p:nvGrpSpPr>
+      <p:grpSpPr>
+        <a:xfrm>
+          <a:off x="0" y="0"/>
+          <a:ext cx="0" cy="0"/>
+          <a:chOff x="0" y="0"/>
+          <a:chExt cx="0" cy="0"/>
+        </a:xfrm>
+      </p:grpSpPr>
+      <p:sp>
+        <p:nvSpPr>
+          <p:cNvPr id="6" name="テキスト ボックス 5">
+            <a:extLst>
+              <a:ext uri="{FF2B5EF4-FFF2-40B4-BE49-F238E27FC236}">
+                <a16:creationId xmlns:a16="http://schemas.microsoft.com/office/drawing/2014/main" id="{BDC3C97E-F607-4FD3-DE0E-8312F3FA7679}"/>
+              </a:ext>
+            </a:extLst>
+          </p:cNvPr>
+          <p:cNvSpPr txBox="1"/>
+          <p:nvPr/>
+        </p:nvSpPr>
+        <p:spPr>
+          <a:xfrm>
+            <a:off x="494950" y="436228"/>
+            <a:ext cx="10594228" cy="523220"/>
+          </a:xfrm>
+          <a:prstGeom prst="rect">
+            <a:avLst/>
+          </a:prstGeom>
+          <a:noFill/>
+        </p:spPr>
+        <p:txBody>
+          <a:bodyPr wrap="square" rtlCol="0">
+            <a:spAutoFit/>
+          </a:bodyPr>
+          <a:lstStyle/>
+          <a:p>
+            <a:r>
+              <a:rPr lang="en-US" altLang="ja-JP" sz="2800" dirty="0"/>
+              <a:t>IAM</a:t>
+            </a:r>
+            <a:r>
+              <a:rPr lang="ja-JP" altLang="en-US" sz="2800" dirty="0"/>
+              <a:t>ポリシー作成</a:t>
+            </a:r>
+            <a:endParaRPr lang="en-US" altLang="ja-JP" sz="2800" dirty="0"/>
+          </a:p>
+        </p:txBody>
+      </p:sp>
+      <p:pic>
+        <p:nvPicPr>
+          <p:cNvPr id="4" name="図 3">
+            <a:extLst>
+              <a:ext uri="{FF2B5EF4-FFF2-40B4-BE49-F238E27FC236}">
+                <a16:creationId xmlns:a16="http://schemas.microsoft.com/office/drawing/2014/main" id="{6FC5D2CE-9977-B44E-AABF-49ECFCDE58C9}"/>
+              </a:ext>
+            </a:extLst>
+          </p:cNvPr>
+          <p:cNvPicPr>
+            <a:picLocks noChangeAspect="1"/>
+          </p:cNvPicPr>
+          <p:nvPr/>
+        </p:nvPicPr>
+        <p:blipFill>
+          <a:blip r:embed="rId2"/>
+          <a:stretch>
+            <a:fillRect/>
+          </a:stretch>
+        </p:blipFill>
+        <p:spPr>
+          <a:xfrm>
+            <a:off x="494950" y="1166070"/>
+            <a:ext cx="11266266" cy="3029913"/>
+          </a:xfrm>
+          <a:prstGeom prst="rect">
+            <a:avLst/>
+          </a:prstGeom>
+        </p:spPr>
+      </p:pic>
+      <p:sp>
+        <p:nvSpPr>
+          <p:cNvPr id="7" name="テキスト ボックス 6">
+            <a:extLst>
+              <a:ext uri="{FF2B5EF4-FFF2-40B4-BE49-F238E27FC236}">
+                <a16:creationId xmlns:a16="http://schemas.microsoft.com/office/drawing/2014/main" id="{98C34E37-E930-5FA5-AAD4-C41395DBE5C2}"/>
+              </a:ext>
+            </a:extLst>
+          </p:cNvPr>
+          <p:cNvSpPr txBox="1"/>
+          <p:nvPr/>
+        </p:nvSpPr>
+        <p:spPr>
+          <a:xfrm>
+            <a:off x="494950" y="4818663"/>
+            <a:ext cx="10997967" cy="923330"/>
+          </a:xfrm>
+          <a:prstGeom prst="rect">
+            <a:avLst/>
+          </a:prstGeom>
+          <a:noFill/>
+        </p:spPr>
+        <p:txBody>
+          <a:bodyPr wrap="square">
+            <a:spAutoFit/>
+          </a:bodyPr>
+          <a:lstStyle/>
+          <a:p>
+            <a:r>
+              <a:rPr lang="en-US" altLang="ja-JP" dirty="0" err="1">
+                <a:hlinkClick r:id="rId3"/>
+              </a:rPr>
+              <a:t>json</a:t>
+            </a:r>
+            <a:r>
+              <a:rPr lang="ja-JP" altLang="en-US" dirty="0">
+                <a:hlinkClick r:id="rId3"/>
+              </a:rPr>
+              <a:t>ファイルは公式で提供されている</a:t>
+            </a:r>
+            <a:br>
+              <a:rPr lang="en-US" altLang="ja-JP" dirty="0">
+                <a:hlinkClick r:id="rId3"/>
+              </a:rPr>
+            </a:br>
+            <a:r>
+              <a:rPr lang="en-US" altLang="ja-JP" dirty="0" err="1">
+                <a:hlinkClick r:id="rId3"/>
+              </a:rPr>
+              <a:t>aws</a:t>
+            </a:r>
+            <a:r>
+              <a:rPr lang="en-US" altLang="ja-JP" dirty="0">
+                <a:hlinkClick r:id="rId3"/>
+              </a:rPr>
+              <a:t>-load-balancer-controller/docs/install/</a:t>
+            </a:r>
+            <a:r>
+              <a:rPr lang="en-US" altLang="ja-JP" dirty="0" err="1">
+                <a:hlinkClick r:id="rId3"/>
+              </a:rPr>
+              <a:t>iam_policy.json</a:t>
+            </a:r>
+            <a:r>
+              <a:rPr lang="en-US" altLang="ja-JP" dirty="0">
+                <a:hlinkClick r:id="rId3"/>
+              </a:rPr>
+              <a:t> at main · </a:t>
+            </a:r>
+            <a:r>
+              <a:rPr lang="en-US" altLang="ja-JP" dirty="0" err="1">
+                <a:hlinkClick r:id="rId3"/>
+              </a:rPr>
+              <a:t>kubernetes</a:t>
+            </a:r>
+            <a:r>
+              <a:rPr lang="en-US" altLang="ja-JP" dirty="0">
+                <a:hlinkClick r:id="rId3"/>
+              </a:rPr>
+              <a:t>-sigs/</a:t>
+            </a:r>
+            <a:r>
+              <a:rPr lang="en-US" altLang="ja-JP" dirty="0" err="1">
+                <a:hlinkClick r:id="rId3"/>
+              </a:rPr>
+              <a:t>aws</a:t>
+            </a:r>
+            <a:r>
+              <a:rPr lang="en-US" altLang="ja-JP" dirty="0">
+                <a:hlinkClick r:id="rId3"/>
+              </a:rPr>
+              <a:t>-load-balancer-controller</a:t>
+            </a:r>
+            <a:endParaRPr lang="ja-JP" altLang="en-US" dirty="0"/>
+          </a:p>
+        </p:txBody>
+      </p:sp>
     </p:spTree>
     <p:extLst>
       <p:ext uri="{BB962C8B-B14F-4D97-AF65-F5344CB8AC3E}">
@@ -4285,7 +4651,7 @@
 </p:sld>
 </file>
 
-<file path=ppt/slides/slide11.xml><?xml version="1.0" encoding="utf-8"?>
+<file path=ppt/slides/slide13.xml><?xml version="1.0" encoding="utf-8"?>
 <p:sld xmlns:a="http://schemas.openxmlformats.org/drawingml/2006/main" xmlns:r="http://schemas.openxmlformats.org/officeDocument/2006/relationships" xmlns:p="http://schemas.openxmlformats.org/presentationml/2006/main">
   <p:cSld>
     <p:spTree>
@@ -4324,8 +4690,8 @@
         </p:nvSpPr>
         <p:spPr bwMode="auto">
           <a:xfrm>
-            <a:off x="343949" y="287754"/>
-            <a:ext cx="5570756" cy="523220"/>
+            <a:off x="343949" y="303143"/>
+            <a:ext cx="10602582" cy="492443"/>
           </a:xfrm>
           <a:prstGeom prst="rect">
             <a:avLst/>
@@ -4373,31 +4739,47 @@
           </a:bodyPr>
           <a:lstStyle/>
           <a:p>
-            <a:pPr marL="0" marR="0" lvl="0" indent="0" algn="l" defTabSz="914400" rtl="0" eaLnBrk="0" fontAlgn="base" latinLnBrk="0" hangingPunct="0">
-              <a:lnSpc>
-                <a:spcPct val="100000"/>
-              </a:lnSpc>
+            <a:pPr lvl="0" eaLnBrk="0" fontAlgn="base" hangingPunct="0">
               <a:spcBef>
                 <a:spcPct val="0"/>
               </a:spcBef>
               <a:spcAft>
                 <a:spcPct val="0"/>
               </a:spcAft>
-              <a:buClrTx/>
-              <a:buSzTx/>
-              <a:tabLst/>
             </a:pPr>
             <a:r>
-              <a:rPr kumimoji="0" lang="ja-JP" altLang="en-US" sz="2800" i="0" u="none" strike="noStrike" cap="none" normalizeH="0" baseline="0" dirty="0">
-                <a:ln>
-                  <a:noFill/>
-                </a:ln>
-                <a:effectLst/>
-                <a:latin typeface="Arial" panose="020B0604020202020204" pitchFamily="34" charset="0"/>
-              </a:rPr>
-              <a:t>必要な引数を与え、英訳処理実行</a:t>
-            </a:r>
-            <a:endParaRPr kumimoji="0" lang="en-US" altLang="ja-JP" sz="2800" i="0" u="none" strike="noStrike" cap="none" normalizeH="0" baseline="0" dirty="0">
+              <a:rPr lang="en-US" altLang="ja-JP" sz="2600" dirty="0"/>
+              <a:t>Kubernetes </a:t>
+            </a:r>
+            <a:r>
+              <a:rPr lang="ja-JP" altLang="en-US" sz="2600" dirty="0"/>
+              <a:t>の 「</a:t>
+            </a:r>
+            <a:r>
+              <a:rPr lang="en-US" altLang="ja-JP" sz="2600" dirty="0" err="1"/>
+              <a:t>ServiceAccount</a:t>
+            </a:r>
+            <a:r>
+              <a:rPr lang="ja-JP" altLang="en-US" sz="2600" dirty="0"/>
+              <a:t>」 と </a:t>
+            </a:r>
+            <a:r>
+              <a:rPr lang="en-US" altLang="ja-JP" sz="2600" dirty="0"/>
+              <a:t>AWS </a:t>
+            </a:r>
+            <a:r>
+              <a:rPr lang="ja-JP" altLang="en-US" sz="2600" dirty="0"/>
+              <a:t>の 「</a:t>
+            </a:r>
+            <a:r>
+              <a:rPr lang="en-US" altLang="ja-JP" sz="2600" dirty="0"/>
+              <a:t>IAM Role</a:t>
+            </a:r>
+            <a:r>
+              <a:rPr lang="ja-JP" altLang="en-US" sz="2600" dirty="0"/>
+              <a:t>」 を作成</a:t>
+            </a:r>
+            <a:endParaRPr kumimoji="0" lang="en-US" altLang="ja-JP" sz="2600" i="0" u="none" strike="noStrike" cap="none" normalizeH="0" baseline="0" dirty="0">
               <a:ln>
                 <a:noFill/>
               </a:ln>
@@ -4409,10 +4791,10 @@
       </p:sp>
       <p:pic>
         <p:nvPicPr>
-          <p:cNvPr id="3" name="図 2">
-            <a:extLst>
-              <a:ext uri="{FF2B5EF4-FFF2-40B4-BE49-F238E27FC236}">
-                <a16:creationId xmlns:a16="http://schemas.microsoft.com/office/drawing/2014/main" id="{D22944E1-840D-7C7F-F980-F9DEDD30E96D}"/>
+          <p:cNvPr id="5" name="図 4">
+            <a:extLst>
+              <a:ext uri="{FF2B5EF4-FFF2-40B4-BE49-F238E27FC236}">
+                <a16:creationId xmlns:a16="http://schemas.microsoft.com/office/drawing/2014/main" id="{92ED4BE4-E12B-35DA-F36F-35D35F6B1BFC}"/>
               </a:ext>
             </a:extLst>
           </p:cNvPr>
@@ -4429,53 +4811,47 @@
         </p:blipFill>
         <p:spPr>
           <a:xfrm>
-            <a:off x="343949" y="952337"/>
-            <a:ext cx="11008582" cy="5232332"/>
+            <a:off x="274040" y="1214957"/>
+            <a:ext cx="11643919" cy="1992047"/>
           </a:xfrm>
           <a:prstGeom prst="rect">
             <a:avLst/>
           </a:prstGeom>
         </p:spPr>
       </p:pic>
-    </p:spTree>
-    <p:extLst>
-      <p:ext uri="{BB962C8B-B14F-4D97-AF65-F5344CB8AC3E}">
-        <p14:creationId xmlns:p14="http://schemas.microsoft.com/office/powerpoint/2010/main" val="3976586341"/>
-      </p:ext>
-    </p:extLst>
-  </p:cSld>
-  <p:clrMapOvr>
-    <a:masterClrMapping/>
-  </p:clrMapOvr>
-</p:sld>
-</file>
-
-<file path=ppt/slides/slide12.xml><?xml version="1.0" encoding="utf-8"?>
-<p:sld xmlns:a="http://schemas.openxmlformats.org/drawingml/2006/main" xmlns:r="http://schemas.openxmlformats.org/officeDocument/2006/relationships" xmlns:p="http://schemas.openxmlformats.org/presentationml/2006/main">
-  <p:cSld>
-    <p:spTree>
-      <p:nvGrpSpPr>
-        <p:cNvPr id="1" name="">
-          <a:extLst>
-            <a:ext uri="{FF2B5EF4-FFF2-40B4-BE49-F238E27FC236}">
-              <a16:creationId xmlns:a16="http://schemas.microsoft.com/office/drawing/2014/main" id="{1C8A53C4-A878-E719-BC66-322BC57E2E67}"/>
-            </a:ext>
-          </a:extLst>
-        </p:cNvPr>
-        <p:cNvGrpSpPr/>
-        <p:nvPr/>
-      </p:nvGrpSpPr>
-      <p:grpSpPr>
-        <a:xfrm>
-          <a:off x="0" y="0"/>
-          <a:ext cx="0" cy="0"/>
-          <a:chOff x="0" y="0"/>
-          <a:chExt cx="0" cy="0"/>
-        </a:xfrm>
-      </p:grpSpPr>
-      <p:sp>
-        <p:nvSpPr>
-          <p:cNvPr id="4" name="Rectangle 1">
+      <p:pic>
+        <p:nvPicPr>
+          <p:cNvPr id="6" name="図 5">
+            <a:extLst>
+              <a:ext uri="{FF2B5EF4-FFF2-40B4-BE49-F238E27FC236}">
+                <a16:creationId xmlns:a16="http://schemas.microsoft.com/office/drawing/2014/main" id="{48C7AFC5-3E2C-81D2-0175-50053FA78F4E}"/>
+              </a:ext>
+            </a:extLst>
+          </p:cNvPr>
+          <p:cNvPicPr>
+            <a:picLocks noChangeAspect="1"/>
+          </p:cNvPicPr>
+          <p:nvPr/>
+        </p:nvPicPr>
+        <p:blipFill>
+          <a:blip r:embed="rId3"/>
+          <a:stretch>
+            <a:fillRect/>
+          </a:stretch>
+        </p:blipFill>
+        <p:spPr>
+          <a:xfrm>
+            <a:off x="240483" y="4349319"/>
+            <a:ext cx="11711031" cy="2133274"/>
+          </a:xfrm>
+          <a:prstGeom prst="rect">
+            <a:avLst/>
+          </a:prstGeom>
+        </p:spPr>
+      </p:pic>
+      <p:sp>
+        <p:nvSpPr>
+          <p:cNvPr id="7" name="Rectangle 1">
             <a:extLst>
               <a:ext uri="{FF2B5EF4-FFF2-40B4-BE49-F238E27FC236}">
                 <a16:creationId xmlns:a16="http://schemas.microsoft.com/office/drawing/2014/main" id="{AFB17971-1C56-B5B8-B3D5-4454197EF1F4}"/>
@@ -4489,8 +4865,8 @@
         </p:nvSpPr>
         <p:spPr bwMode="auto">
           <a:xfrm>
-            <a:off x="343949" y="287754"/>
-            <a:ext cx="8863324" cy="523220"/>
+            <a:off x="274040" y="3626375"/>
+            <a:ext cx="10104048" cy="461665"/>
           </a:xfrm>
           <a:prstGeom prst="rect">
             <a:avLst/>
@@ -4538,104 +4914,49 @@
           </a:bodyPr>
           <a:lstStyle/>
           <a:p>
-            <a:pPr marL="0" marR="0" lvl="0" indent="0" algn="l" defTabSz="914400" rtl="0" eaLnBrk="0" fontAlgn="base" latinLnBrk="0" hangingPunct="0">
-              <a:lnSpc>
-                <a:spcPct val="100000"/>
-              </a:lnSpc>
+            <a:pPr eaLnBrk="0" fontAlgn="base" hangingPunct="0">
               <a:spcBef>
                 <a:spcPct val="0"/>
               </a:spcBef>
               <a:spcAft>
                 <a:spcPct val="0"/>
               </a:spcAft>
-              <a:buClrTx/>
-              <a:buSzTx/>
-              <a:tabLst/>
             </a:pPr>
             <a:r>
-              <a:rPr kumimoji="0" lang="en-US" altLang="ja-JP" sz="2800" i="0" u="none" strike="noStrike" cap="none" normalizeH="0" baseline="0" dirty="0">
-                <a:ln>
-                  <a:noFill/>
-                </a:ln>
-                <a:effectLst/>
-                <a:latin typeface="Arial" panose="020B0604020202020204" pitchFamily="34" charset="0"/>
-              </a:rPr>
-              <a:t>DB</a:t>
-            </a:r>
-            <a:r>
-              <a:rPr kumimoji="0" lang="ja-JP" altLang="en-US" sz="2800" i="0" u="none" strike="noStrike" cap="none" normalizeH="0" baseline="0" dirty="0">
-                <a:ln>
-                  <a:noFill/>
-                </a:ln>
-                <a:effectLst/>
-                <a:latin typeface="Arial" panose="020B0604020202020204" pitchFamily="34" charset="0"/>
-              </a:rPr>
-              <a:t>登録処理で</a:t>
-            </a:r>
-            <a:r>
-              <a:rPr kumimoji="0" lang="en-US" altLang="ja-JP" sz="2800" i="0" u="none" strike="noStrike" cap="none" normalizeH="0" baseline="0" dirty="0" err="1">
-                <a:ln>
-                  <a:noFill/>
-                </a:ln>
-                <a:effectLst/>
-                <a:latin typeface="Arial" panose="020B0604020202020204" pitchFamily="34" charset="0"/>
-              </a:rPr>
-              <a:t>ArticleID</a:t>
-            </a:r>
-            <a:r>
-              <a:rPr kumimoji="0" lang="ja-JP" altLang="en-US" sz="2800" i="0" u="none" strike="noStrike" cap="none" normalizeH="0" baseline="0" dirty="0">
-                <a:ln>
-                  <a:noFill/>
-                </a:ln>
-                <a:effectLst/>
-                <a:latin typeface="Arial" panose="020B0604020202020204" pitchFamily="34" charset="0"/>
-              </a:rPr>
-              <a:t>を使用したいため、出力を整形</a:t>
-            </a:r>
-            <a:endParaRPr kumimoji="0" lang="en-US" altLang="ja-JP" sz="2800" i="0" u="none" strike="noStrike" cap="none" normalizeH="0" baseline="0" dirty="0">
-              <a:ln>
-                <a:noFill/>
-              </a:ln>
-              <a:effectLst/>
-              <a:latin typeface="Arial" panose="020B0604020202020204" pitchFamily="34" charset="0"/>
-            </a:endParaRPr>
-          </a:p>
-        </p:txBody>
-      </p:sp>
-      <p:pic>
-        <p:nvPicPr>
-          <p:cNvPr id="5" name="図 4">
-            <a:extLst>
-              <a:ext uri="{FF2B5EF4-FFF2-40B4-BE49-F238E27FC236}">
-                <a16:creationId xmlns:a16="http://schemas.microsoft.com/office/drawing/2014/main" id="{41B0FBF0-DE19-D69F-0971-087BA7394964}"/>
-              </a:ext>
-            </a:extLst>
-          </p:cNvPr>
-          <p:cNvPicPr>
-            <a:picLocks noChangeAspect="1"/>
-          </p:cNvPicPr>
-          <p:nvPr/>
-        </p:nvPicPr>
-        <p:blipFill>
-          <a:blip r:embed="rId2"/>
-          <a:stretch>
-            <a:fillRect/>
-          </a:stretch>
-        </p:blipFill>
-        <p:spPr>
-          <a:xfrm>
-            <a:off x="343949" y="1022465"/>
-            <a:ext cx="11032089" cy="5378335"/>
-          </a:xfrm>
-          <a:prstGeom prst="rect">
-            <a:avLst/>
-          </a:prstGeom>
-        </p:spPr>
-      </p:pic>
+              <a:rPr lang="en-US" altLang="ja-JP" sz="2400" dirty="0"/>
+              <a:t>Helm(</a:t>
+            </a:r>
+            <a:r>
+              <a:rPr lang="ja-JP" altLang="en-US" sz="2400" dirty="0"/>
+              <a:t>デプロイツール</a:t>
+            </a:r>
+            <a:r>
+              <a:rPr lang="en-US" altLang="ja-JP" sz="2400" dirty="0"/>
+              <a:t>)</a:t>
+            </a:r>
+            <a:r>
+              <a:rPr lang="ja-JP" altLang="en-US" sz="2400" dirty="0"/>
+              <a:t>で </a:t>
+            </a:r>
+            <a:r>
+              <a:rPr lang="en-US" altLang="ja-JP" sz="2400" dirty="0" err="1"/>
+              <a:t>aws</a:t>
+            </a:r>
+            <a:r>
+              <a:rPr lang="en-US" altLang="ja-JP" sz="2400" dirty="0"/>
+              <a:t>-load-balancer-controller </a:t>
+            </a:r>
+            <a:r>
+              <a:rPr lang="ja-JP" altLang="en-US" sz="2400" dirty="0"/>
+              <a:t>をインストール</a:t>
+            </a:r>
+          </a:p>
+        </p:txBody>
+      </p:sp>
     </p:spTree>
     <p:extLst>
       <p:ext uri="{BB962C8B-B14F-4D97-AF65-F5344CB8AC3E}">
-        <p14:creationId xmlns:p14="http://schemas.microsoft.com/office/powerpoint/2010/main" val="2189996101"/>
+        <p14:creationId xmlns:p14="http://schemas.microsoft.com/office/powerpoint/2010/main" val="3976586341"/>
       </p:ext>
     </p:extLst>
   </p:cSld>
@@ -4645,7 +4966,7 @@
 </p:sld>
 </file>
 
-<file path=ppt/slides/slide13.xml><?xml version="1.0" encoding="utf-8"?>
+<file path=ppt/slides/slide14.xml><?xml version="1.0" encoding="utf-8"?>
 <p:sld xmlns:a="http://schemas.openxmlformats.org/drawingml/2006/main" xmlns:r="http://schemas.openxmlformats.org/officeDocument/2006/relationships" xmlns:p="http://schemas.openxmlformats.org/presentationml/2006/main">
   <p:cSld>
     <p:spTree>
@@ -4653,7 +4974,7 @@
         <p:cNvPr id="1" name="">
           <a:extLst>
             <a:ext uri="{FF2B5EF4-FFF2-40B4-BE49-F238E27FC236}">
-              <a16:creationId xmlns:a16="http://schemas.microsoft.com/office/drawing/2014/main" id="{CEFCA7C7-1161-E677-235A-FEE7D8EDF0A8}"/>
+              <a16:creationId xmlns:a16="http://schemas.microsoft.com/office/drawing/2014/main" id="{62B23BA6-E74B-81AF-C891-176E0A3CCE6A}"/>
             </a:ext>
           </a:extLst>
         </p:cNvPr>
@@ -4670,10 +4991,10 @@
       </p:grpSpPr>
       <p:sp>
         <p:nvSpPr>
-          <p:cNvPr id="7" name="Rectangle 1">
-            <a:extLst>
-              <a:ext uri="{FF2B5EF4-FFF2-40B4-BE49-F238E27FC236}">
-                <a16:creationId xmlns:a16="http://schemas.microsoft.com/office/drawing/2014/main" id="{45F5DA8B-4AD8-DEBE-9AD3-35FAA712F4C0}"/>
+          <p:cNvPr id="4" name="Rectangle 1">
+            <a:extLst>
+              <a:ext uri="{FF2B5EF4-FFF2-40B4-BE49-F238E27FC236}">
+                <a16:creationId xmlns:a16="http://schemas.microsoft.com/office/drawing/2014/main" id="{A8E0D747-77EC-A459-5922-A6F22190ED65}"/>
               </a:ext>
             </a:extLst>
           </p:cNvPr>
@@ -4685,7 +5006,7 @@
         <p:spPr bwMode="auto">
           <a:xfrm>
             <a:off x="343949" y="287754"/>
-            <a:ext cx="6069290" cy="523220"/>
+            <a:ext cx="2063385" cy="523220"/>
           </a:xfrm>
           <a:prstGeom prst="rect">
             <a:avLst/>
@@ -4748,6 +5069,16 @@
               <a:tabLst/>
             </a:pPr>
             <a:r>
+              <a:rPr kumimoji="0" lang="en-US" altLang="ja-JP" sz="2800" i="0" u="none" strike="noStrike" cap="none" normalizeH="0" baseline="0" dirty="0">
+                <a:ln>
+                  <a:noFill/>
+                </a:ln>
+                <a:effectLst/>
+                <a:latin typeface="Arial" panose="020B0604020202020204" pitchFamily="34" charset="0"/>
+              </a:rPr>
+              <a:t>Ingress</a:t>
+            </a:r>
+            <a:r>
               <a:rPr kumimoji="0" lang="ja-JP" altLang="en-US" sz="2800" i="0" u="none" strike="noStrike" cap="none" normalizeH="0" baseline="0" dirty="0">
                 <a:ln>
                   <a:noFill/>
@@ -4755,27 +5086,7 @@
                 <a:effectLst/>
                 <a:latin typeface="Arial" panose="020B0604020202020204" pitchFamily="34" charset="0"/>
               </a:rPr>
-              <a:t>必要な引数を与え、</a:t>
-            </a:r>
-            <a:r>
-              <a:rPr kumimoji="0" lang="en-US" altLang="ja-JP" sz="2800" i="0" u="none" strike="noStrike" cap="none" normalizeH="0" baseline="0" dirty="0">
-                <a:ln>
-                  <a:noFill/>
-                </a:ln>
-                <a:effectLst/>
-                <a:latin typeface="Arial" panose="020B0604020202020204" pitchFamily="34" charset="0"/>
-              </a:rPr>
-              <a:t>DB</a:t>
-            </a:r>
-            <a:r>
-              <a:rPr kumimoji="0" lang="ja-JP" altLang="en-US" sz="2800" i="0" u="none" strike="noStrike" cap="none" normalizeH="0" baseline="0" dirty="0">
-                <a:ln>
-                  <a:noFill/>
-                </a:ln>
-                <a:effectLst/>
-                <a:latin typeface="Arial" panose="020B0604020202020204" pitchFamily="34" charset="0"/>
-              </a:rPr>
-              <a:t>登録処理実行</a:t>
+              <a:t>作成</a:t>
             </a:r>
             <a:endParaRPr kumimoji="0" lang="en-US" altLang="ja-JP" sz="2800" i="0" u="none" strike="noStrike" cap="none" normalizeH="0" baseline="0" dirty="0">
               <a:ln>
@@ -4789,10 +5100,10 @@
       </p:sp>
       <p:pic>
         <p:nvPicPr>
-          <p:cNvPr id="9" name="図 8">
-            <a:extLst>
-              <a:ext uri="{FF2B5EF4-FFF2-40B4-BE49-F238E27FC236}">
-                <a16:creationId xmlns:a16="http://schemas.microsoft.com/office/drawing/2014/main" id="{4EE272E7-C84B-8229-2A1C-A75C25813EE9}"/>
+          <p:cNvPr id="3" name="図 2">
+            <a:extLst>
+              <a:ext uri="{FF2B5EF4-FFF2-40B4-BE49-F238E27FC236}">
+                <a16:creationId xmlns:a16="http://schemas.microsoft.com/office/drawing/2014/main" id="{7DE783B8-EB37-A27E-8CE8-81DF2D87E854}"/>
               </a:ext>
             </a:extLst>
           </p:cNvPr>
@@ -4809,8 +5120,38 @@
         </p:blipFill>
         <p:spPr>
           <a:xfrm>
-            <a:off x="343948" y="954974"/>
-            <a:ext cx="11637513" cy="5470764"/>
+            <a:off x="343949" y="1035295"/>
+            <a:ext cx="11618752" cy="1119237"/>
+          </a:xfrm>
+          <a:prstGeom prst="rect">
+            <a:avLst/>
+          </a:prstGeom>
+        </p:spPr>
+      </p:pic>
+      <p:pic>
+        <p:nvPicPr>
+          <p:cNvPr id="6" name="図 5">
+            <a:extLst>
+              <a:ext uri="{FF2B5EF4-FFF2-40B4-BE49-F238E27FC236}">
+                <a16:creationId xmlns:a16="http://schemas.microsoft.com/office/drawing/2014/main" id="{D53087C5-DE67-A889-7F1E-000459316CA1}"/>
+              </a:ext>
+            </a:extLst>
+          </p:cNvPr>
+          <p:cNvPicPr>
+            <a:picLocks noChangeAspect="1"/>
+          </p:cNvPicPr>
+          <p:nvPr/>
+        </p:nvPicPr>
+        <p:blipFill>
+          <a:blip r:embed="rId3"/>
+          <a:stretch>
+            <a:fillRect/>
+          </a:stretch>
+        </p:blipFill>
+        <p:spPr>
+          <a:xfrm>
+            <a:off x="341978" y="2219462"/>
+            <a:ext cx="5754022" cy="4286630"/>
           </a:xfrm>
           <a:prstGeom prst="rect">
             <a:avLst/>
@@ -4820,7 +5161,7 @@
     </p:spTree>
     <p:extLst>
       <p:ext uri="{BB962C8B-B14F-4D97-AF65-F5344CB8AC3E}">
-        <p14:creationId xmlns:p14="http://schemas.microsoft.com/office/powerpoint/2010/main" val="2071335713"/>
+        <p14:creationId xmlns:p14="http://schemas.microsoft.com/office/powerpoint/2010/main" val="1694024932"/>
       </p:ext>
     </p:extLst>
   </p:cSld>
@@ -4830,7 +5171,7 @@
 </p:sld>
 </file>
 
-<file path=ppt/slides/slide14.xml><?xml version="1.0" encoding="utf-8"?>
+<file path=ppt/slides/slide15.xml><?xml version="1.0" encoding="utf-8"?>
 <p:sld xmlns:a="http://schemas.openxmlformats.org/drawingml/2006/main" xmlns:r="http://schemas.openxmlformats.org/officeDocument/2006/relationships" xmlns:p="http://schemas.openxmlformats.org/presentationml/2006/main">
   <p:cSld>
     <p:spTree>
@@ -4838,7 +5179,7 @@
         <p:cNvPr id="1" name="">
           <a:extLst>
             <a:ext uri="{FF2B5EF4-FFF2-40B4-BE49-F238E27FC236}">
-              <a16:creationId xmlns:a16="http://schemas.microsoft.com/office/drawing/2014/main" id="{62B23BA6-E74B-81AF-C891-176E0A3CCE6A}"/>
+              <a16:creationId xmlns:a16="http://schemas.microsoft.com/office/drawing/2014/main" id="{E521B32E-7532-E022-E499-17643B40C34D}"/>
             </a:ext>
           </a:extLst>
         </p:cNvPr>
@@ -4853,12 +5194,42 @@
           <a:chExt cx="0" cy="0"/>
         </a:xfrm>
       </p:grpSpPr>
-      <p:sp>
-        <p:nvSpPr>
-          <p:cNvPr id="4" name="Rectangle 1">
-            <a:extLst>
-              <a:ext uri="{FF2B5EF4-FFF2-40B4-BE49-F238E27FC236}">
-                <a16:creationId xmlns:a16="http://schemas.microsoft.com/office/drawing/2014/main" id="{A8E0D747-77EC-A459-5922-A6F22190ED65}"/>
+      <p:pic>
+        <p:nvPicPr>
+          <p:cNvPr id="4" name="図 3">
+            <a:extLst>
+              <a:ext uri="{FF2B5EF4-FFF2-40B4-BE49-F238E27FC236}">
+                <a16:creationId xmlns:a16="http://schemas.microsoft.com/office/drawing/2014/main" id="{BD84AA75-FA59-6325-1BD2-A9B713900E5B}"/>
+              </a:ext>
+            </a:extLst>
+          </p:cNvPr>
+          <p:cNvPicPr>
+            <a:picLocks noChangeAspect="1"/>
+          </p:cNvPicPr>
+          <p:nvPr/>
+        </p:nvPicPr>
+        <p:blipFill>
+          <a:blip r:embed="rId2"/>
+          <a:stretch>
+            <a:fillRect/>
+          </a:stretch>
+        </p:blipFill>
+        <p:spPr>
+          <a:xfrm>
+            <a:off x="660160" y="1414181"/>
+            <a:ext cx="10536120" cy="4029637"/>
+          </a:xfrm>
+          <a:prstGeom prst="rect">
+            <a:avLst/>
+          </a:prstGeom>
+        </p:spPr>
+      </p:pic>
+      <p:sp>
+        <p:nvSpPr>
+          <p:cNvPr id="5" name="Rectangle 1">
+            <a:extLst>
+              <a:ext uri="{FF2B5EF4-FFF2-40B4-BE49-F238E27FC236}">
+                <a16:creationId xmlns:a16="http://schemas.microsoft.com/office/drawing/2014/main" id="{37A9A152-1C50-D86B-E5EF-059FD3561BFE}"/>
               </a:ext>
             </a:extLst>
           </p:cNvPr>
@@ -4869,8 +5240,8 @@
         </p:nvSpPr>
         <p:spPr bwMode="auto">
           <a:xfrm>
-            <a:off x="343949" y="287754"/>
-            <a:ext cx="5929828" cy="523220"/>
+            <a:off x="660160" y="455534"/>
+            <a:ext cx="2698175" cy="523220"/>
           </a:xfrm>
           <a:prstGeom prst="rect">
             <a:avLst/>
@@ -4940,7 +5311,7 @@
                 <a:effectLst/>
                 <a:latin typeface="Arial" panose="020B0604020202020204" pitchFamily="34" charset="0"/>
               </a:rPr>
-              <a:t>必要な引数を与え、音声化処理実行</a:t>
+              <a:t>アクセスできた</a:t>
             </a:r>
             <a:endParaRPr kumimoji="0" lang="en-US" altLang="ja-JP" sz="2800" i="0" u="none" strike="noStrike" cap="none" normalizeH="0" baseline="0" dirty="0">
               <a:ln>
@@ -4952,227 +5323,6 @@
           </a:p>
         </p:txBody>
       </p:sp>
-      <p:pic>
-        <p:nvPicPr>
-          <p:cNvPr id="5" name="図 4">
-            <a:extLst>
-              <a:ext uri="{FF2B5EF4-FFF2-40B4-BE49-F238E27FC236}">
-                <a16:creationId xmlns:a16="http://schemas.microsoft.com/office/drawing/2014/main" id="{6F0F8439-C165-03D9-A401-2B2F4346B70A}"/>
-              </a:ext>
-            </a:extLst>
-          </p:cNvPr>
-          <p:cNvPicPr>
-            <a:picLocks noChangeAspect="1"/>
-          </p:cNvPicPr>
-          <p:nvPr/>
-        </p:nvPicPr>
-        <p:blipFill>
-          <a:blip r:embed="rId2"/>
-          <a:stretch>
-            <a:fillRect/>
-          </a:stretch>
-        </p:blipFill>
-        <p:spPr>
-          <a:xfrm>
-            <a:off x="374072" y="895092"/>
-            <a:ext cx="11443855" cy="5675154"/>
-          </a:xfrm>
-          <a:prstGeom prst="rect">
-            <a:avLst/>
-          </a:prstGeom>
-        </p:spPr>
-      </p:pic>
-    </p:spTree>
-    <p:extLst>
-      <p:ext uri="{BB962C8B-B14F-4D97-AF65-F5344CB8AC3E}">
-        <p14:creationId xmlns:p14="http://schemas.microsoft.com/office/powerpoint/2010/main" val="1694024932"/>
-      </p:ext>
-    </p:extLst>
-  </p:cSld>
-  <p:clrMapOvr>
-    <a:masterClrMapping/>
-  </p:clrMapOvr>
-</p:sld>
-</file>
-
-<file path=ppt/slides/slide15.xml><?xml version="1.0" encoding="utf-8"?>
-<p:sld xmlns:a="http://schemas.openxmlformats.org/drawingml/2006/main" xmlns:r="http://schemas.openxmlformats.org/officeDocument/2006/relationships" xmlns:p="http://schemas.openxmlformats.org/presentationml/2006/main">
-  <p:cSld>
-    <p:spTree>
-      <p:nvGrpSpPr>
-        <p:cNvPr id="1" name="">
-          <a:extLst>
-            <a:ext uri="{FF2B5EF4-FFF2-40B4-BE49-F238E27FC236}">
-              <a16:creationId xmlns:a16="http://schemas.microsoft.com/office/drawing/2014/main" id="{3A355F86-4457-ACB3-8190-B7BF1A657B2D}"/>
-            </a:ext>
-          </a:extLst>
-        </p:cNvPr>
-        <p:cNvGrpSpPr/>
-        <p:nvPr/>
-      </p:nvGrpSpPr>
-      <p:grpSpPr>
-        <a:xfrm>
-          <a:off x="0" y="0"/>
-          <a:ext cx="0" cy="0"/>
-          <a:chOff x="0" y="0"/>
-          <a:chExt cx="0" cy="0"/>
-        </a:xfrm>
-      </p:grpSpPr>
-      <p:sp>
-        <p:nvSpPr>
-          <p:cNvPr id="10" name="テキスト ボックス 9">
-            <a:extLst>
-              <a:ext uri="{FF2B5EF4-FFF2-40B4-BE49-F238E27FC236}">
-                <a16:creationId xmlns:a16="http://schemas.microsoft.com/office/drawing/2014/main" id="{CCE39F5F-5DA7-860B-5652-1A81A42DD6D1}"/>
-              </a:ext>
-            </a:extLst>
-          </p:cNvPr>
-          <p:cNvSpPr txBox="1"/>
-          <p:nvPr/>
-        </p:nvSpPr>
-        <p:spPr>
-          <a:xfrm>
-            <a:off x="382397" y="354881"/>
-            <a:ext cx="11139043" cy="707886"/>
-          </a:xfrm>
-          <a:prstGeom prst="rect">
-            <a:avLst/>
-          </a:prstGeom>
-          <a:noFill/>
-        </p:spPr>
-        <p:txBody>
-          <a:bodyPr wrap="square">
-            <a:spAutoFit/>
-          </a:bodyPr>
-          <a:lstStyle/>
-          <a:p>
-            <a:r>
-              <a:rPr lang="ja-JP" altLang="en-US" sz="2000" dirty="0"/>
-              <a:t>音声化は非同期処理のため、完了を検知してから</a:t>
-            </a:r>
-            <a:r>
-              <a:rPr lang="en-US" altLang="ja-JP" sz="2000" dirty="0"/>
-              <a:t>DB</a:t>
-            </a:r>
-            <a:r>
-              <a:rPr lang="ja-JP" altLang="en-US" sz="2000" dirty="0"/>
-              <a:t>登録を行いたい</a:t>
-            </a:r>
-            <a:br>
-              <a:rPr lang="en-US" altLang="ja-JP" sz="2000" dirty="0"/>
-            </a:br>
-            <a:r>
-              <a:rPr lang="ja-JP" altLang="en-US" sz="2000" dirty="0"/>
-              <a:t>タスクの状態取得、待機を繰り返し、完了を検知したら、</a:t>
-            </a:r>
-            <a:r>
-              <a:rPr lang="en-US" altLang="ja-JP" sz="2000" dirty="0"/>
-              <a:t>DB</a:t>
-            </a:r>
-            <a:r>
-              <a:rPr lang="ja-JP" altLang="en-US" sz="2000" dirty="0"/>
-              <a:t>登録処理を行う</a:t>
-            </a:r>
-            <a:endParaRPr lang="en-US" altLang="ja-JP" sz="2000" dirty="0"/>
-          </a:p>
-        </p:txBody>
-      </p:sp>
-      <p:pic>
-        <p:nvPicPr>
-          <p:cNvPr id="4" name="図 3">
-            <a:extLst>
-              <a:ext uri="{FF2B5EF4-FFF2-40B4-BE49-F238E27FC236}">
-                <a16:creationId xmlns:a16="http://schemas.microsoft.com/office/drawing/2014/main" id="{346D7E7D-64D9-176D-0D08-0B8BED1CE5E5}"/>
-              </a:ext>
-            </a:extLst>
-          </p:cNvPr>
-          <p:cNvPicPr>
-            <a:picLocks noChangeAspect="1"/>
-          </p:cNvPicPr>
-          <p:nvPr/>
-        </p:nvPicPr>
-        <p:blipFill>
-          <a:blip r:embed="rId2"/>
-          <a:stretch>
-            <a:fillRect/>
-          </a:stretch>
-        </p:blipFill>
-        <p:spPr>
-          <a:xfrm>
-            <a:off x="382397" y="1286080"/>
-            <a:ext cx="10231097" cy="4975970"/>
-          </a:xfrm>
-          <a:prstGeom prst="rect">
-            <a:avLst/>
-          </a:prstGeom>
-        </p:spPr>
-      </p:pic>
-    </p:spTree>
-    <p:extLst>
-      <p:ext uri="{BB962C8B-B14F-4D97-AF65-F5344CB8AC3E}">
-        <p14:creationId xmlns:p14="http://schemas.microsoft.com/office/powerpoint/2010/main" val="2888629864"/>
-      </p:ext>
-    </p:extLst>
-  </p:cSld>
-  <p:clrMapOvr>
-    <a:masterClrMapping/>
-  </p:clrMapOvr>
-</p:sld>
-</file>
-
-<file path=ppt/slides/slide16.xml><?xml version="1.0" encoding="utf-8"?>
-<p:sld xmlns:a="http://schemas.openxmlformats.org/drawingml/2006/main" xmlns:r="http://schemas.openxmlformats.org/officeDocument/2006/relationships" xmlns:p="http://schemas.openxmlformats.org/presentationml/2006/main">
-  <p:cSld>
-    <p:spTree>
-      <p:nvGrpSpPr>
-        <p:cNvPr id="1" name="">
-          <a:extLst>
-            <a:ext uri="{FF2B5EF4-FFF2-40B4-BE49-F238E27FC236}">
-              <a16:creationId xmlns:a16="http://schemas.microsoft.com/office/drawing/2014/main" id="{E521B32E-7532-E022-E499-17643B40C34D}"/>
-            </a:ext>
-          </a:extLst>
-        </p:cNvPr>
-        <p:cNvGrpSpPr/>
-        <p:nvPr/>
-      </p:nvGrpSpPr>
-      <p:grpSpPr>
-        <a:xfrm>
-          <a:off x="0" y="0"/>
-          <a:ext cx="0" cy="0"/>
-          <a:chOff x="0" y="0"/>
-          <a:chExt cx="0" cy="0"/>
-        </a:xfrm>
-      </p:grpSpPr>
-      <p:pic>
-        <p:nvPicPr>
-          <p:cNvPr id="3" name="図 2">
-            <a:extLst>
-              <a:ext uri="{FF2B5EF4-FFF2-40B4-BE49-F238E27FC236}">
-                <a16:creationId xmlns:a16="http://schemas.microsoft.com/office/drawing/2014/main" id="{1CA44CCB-506F-D8D6-7004-D062BB7DD168}"/>
-              </a:ext>
-            </a:extLst>
-          </p:cNvPr>
-          <p:cNvPicPr>
-            <a:picLocks noChangeAspect="1"/>
-          </p:cNvPicPr>
-          <p:nvPr/>
-        </p:nvPicPr>
-        <p:blipFill>
-          <a:blip r:embed="rId2"/>
-          <a:stretch>
-            <a:fillRect/>
-          </a:stretch>
-        </p:blipFill>
-        <p:spPr>
-          <a:xfrm>
-            <a:off x="529965" y="533433"/>
-            <a:ext cx="11662035" cy="5791133"/>
-          </a:xfrm>
-          <a:prstGeom prst="rect">
-            <a:avLst/>
-          </a:prstGeom>
-        </p:spPr>
-      </p:pic>
     </p:spTree>
     <p:extLst>
       <p:ext uri="{BB962C8B-B14F-4D97-AF65-F5344CB8AC3E}">
@@ -5186,7 +5336,7 @@
 </p:sld>
 </file>
 
-<file path=ppt/slides/slide17.xml><?xml version="1.0" encoding="utf-8"?>
+<file path=ppt/slides/slide16.xml><?xml version="1.0" encoding="utf-8"?>
 <p:sld xmlns:a="http://schemas.openxmlformats.org/drawingml/2006/main" xmlns:r="http://schemas.openxmlformats.org/officeDocument/2006/relationships" xmlns:p="http://schemas.openxmlformats.org/presentationml/2006/main">
   <p:cSld>
     <p:spTree>
@@ -5209,78 +5359,12 @@
           <a:chExt cx="0" cy="0"/>
         </a:xfrm>
       </p:grpSpPr>
-      <p:pic>
-        <p:nvPicPr>
-          <p:cNvPr id="5" name="図 4">
-            <a:extLst>
-              <a:ext uri="{FF2B5EF4-FFF2-40B4-BE49-F238E27FC236}">
-                <a16:creationId xmlns:a16="http://schemas.microsoft.com/office/drawing/2014/main" id="{4FACB1F1-18C2-25E9-9404-17433E10153E}"/>
-              </a:ext>
-            </a:extLst>
-          </p:cNvPr>
-          <p:cNvPicPr>
-            <a:picLocks noChangeAspect="1"/>
-          </p:cNvPicPr>
-          <p:nvPr/>
-        </p:nvPicPr>
-        <p:blipFill>
-          <a:blip r:embed="rId2"/>
-          <a:stretch>
-            <a:fillRect/>
-          </a:stretch>
-        </p:blipFill>
-        <p:spPr>
-          <a:xfrm>
-            <a:off x="543930" y="569989"/>
-            <a:ext cx="11540004" cy="5718021"/>
-          </a:xfrm>
-          <a:prstGeom prst="rect">
-            <a:avLst/>
-          </a:prstGeom>
-        </p:spPr>
-      </p:pic>
-    </p:spTree>
-    <p:extLst>
-      <p:ext uri="{BB962C8B-B14F-4D97-AF65-F5344CB8AC3E}">
-        <p14:creationId xmlns:p14="http://schemas.microsoft.com/office/powerpoint/2010/main" val="3478574041"/>
-      </p:ext>
-    </p:extLst>
-  </p:cSld>
-  <p:clrMapOvr>
-    <a:masterClrMapping/>
-  </p:clrMapOvr>
-</p:sld>
-</file>
-
-<file path=ppt/slides/slide18.xml><?xml version="1.0" encoding="utf-8"?>
-<p:sld xmlns:a="http://schemas.openxmlformats.org/drawingml/2006/main" xmlns:r="http://schemas.openxmlformats.org/officeDocument/2006/relationships" xmlns:p="http://schemas.openxmlformats.org/presentationml/2006/main">
-  <p:cSld>
-    <p:spTree>
-      <p:nvGrpSpPr>
-        <p:cNvPr id="1" name="">
-          <a:extLst>
-            <a:ext uri="{FF2B5EF4-FFF2-40B4-BE49-F238E27FC236}">
-              <a16:creationId xmlns:a16="http://schemas.microsoft.com/office/drawing/2014/main" id="{F58663D7-1A7F-785B-DED7-C26731C18C40}"/>
-            </a:ext>
-          </a:extLst>
-        </p:cNvPr>
-        <p:cNvGrpSpPr/>
-        <p:nvPr/>
-      </p:nvGrpSpPr>
-      <p:grpSpPr>
-        <a:xfrm>
-          <a:off x="0" y="0"/>
-          <a:ext cx="0" cy="0"/>
-          <a:chOff x="0" y="0"/>
-          <a:chExt cx="0" cy="0"/>
-        </a:xfrm>
-      </p:grpSpPr>
-      <p:sp>
-        <p:nvSpPr>
-          <p:cNvPr id="4" name="Rectangle 1">
-            <a:extLst>
-              <a:ext uri="{FF2B5EF4-FFF2-40B4-BE49-F238E27FC236}">
-                <a16:creationId xmlns:a16="http://schemas.microsoft.com/office/drawing/2014/main" id="{C3327D72-450D-4290-3EBF-95F44E547703}"/>
+      <p:sp>
+        <p:nvSpPr>
+          <p:cNvPr id="2" name="Rectangle 1">
+            <a:extLst>
+              <a:ext uri="{FF2B5EF4-FFF2-40B4-BE49-F238E27FC236}">
+                <a16:creationId xmlns:a16="http://schemas.microsoft.com/office/drawing/2014/main" id="{EDC51B56-A334-E127-31A9-BA05C89ADAC4}"/>
               </a:ext>
             </a:extLst>
           </p:cNvPr>
@@ -5291,8 +5375,8 @@
         </p:nvSpPr>
         <p:spPr bwMode="auto">
           <a:xfrm>
-            <a:off x="343949" y="113874"/>
-            <a:ext cx="8863324" cy="954107"/>
+            <a:off x="343949" y="287754"/>
+            <a:ext cx="10597773" cy="523220"/>
           </a:xfrm>
           <a:prstGeom prst="rect">
             <a:avLst/>
@@ -5355,16 +5439,6 @@
               <a:tabLst/>
             </a:pPr>
             <a:r>
-              <a:rPr kumimoji="0" lang="en-US" altLang="ja-JP" sz="2800" i="0" u="none" strike="noStrike" cap="none" normalizeH="0" baseline="0" dirty="0">
-                <a:ln>
-                  <a:noFill/>
-                </a:ln>
-                <a:effectLst/>
-                <a:latin typeface="Arial" panose="020B0604020202020204" pitchFamily="34" charset="0"/>
-              </a:rPr>
-              <a:t>DB</a:t>
-            </a:r>
-            <a:r>
               <a:rPr kumimoji="0" lang="ja-JP" altLang="en-US" sz="2800" i="0" u="none" strike="noStrike" cap="none" normalizeH="0" baseline="0" dirty="0">
                 <a:ln>
                   <a:noFill/>
@@ -5372,76 +5446,24 @@
                 <a:effectLst/>
                 <a:latin typeface="Arial" panose="020B0604020202020204" pitchFamily="34" charset="0"/>
               </a:rPr>
-              <a:t>登録処理で</a:t>
-            </a:r>
-            <a:r>
-              <a:rPr kumimoji="0" lang="en-US" altLang="ja-JP" sz="2800" i="0" u="none" strike="noStrike" cap="none" normalizeH="0" baseline="0" dirty="0" err="1">
-                <a:ln>
-                  <a:noFill/>
-                </a:ln>
-                <a:effectLst/>
-                <a:latin typeface="Arial" panose="020B0604020202020204" pitchFamily="34" charset="0"/>
-              </a:rPr>
-              <a:t>ArticleID</a:t>
-            </a:r>
-            <a:r>
-              <a:rPr kumimoji="0" lang="ja-JP" altLang="en-US" sz="2800" i="0" u="none" strike="noStrike" cap="none" normalizeH="0" baseline="0" dirty="0">
-                <a:ln>
-                  <a:noFill/>
-                </a:ln>
-                <a:effectLst/>
-                <a:latin typeface="Arial" panose="020B0604020202020204" pitchFamily="34" charset="0"/>
-              </a:rPr>
-              <a:t>を使用したいため、変数を登録</a:t>
-            </a:r>
-            <a:br>
-              <a:rPr kumimoji="0" lang="en-US" altLang="ja-JP" sz="2800" i="0" u="none" strike="noStrike" cap="none" normalizeH="0" baseline="0" dirty="0">
-                <a:ln>
-                  <a:noFill/>
-                </a:ln>
-                <a:effectLst/>
-                <a:latin typeface="Arial" panose="020B0604020202020204" pitchFamily="34" charset="0"/>
-              </a:rPr>
-            </a:br>
-            <a:r>
-              <a:rPr kumimoji="0" lang="en-US" altLang="ja-JP" sz="2800" i="0" u="none" strike="noStrike" cap="none" normalizeH="0" baseline="0" dirty="0">
-                <a:ln>
-                  <a:noFill/>
-                </a:ln>
-                <a:effectLst/>
-                <a:latin typeface="Arial" panose="020B0604020202020204" pitchFamily="34" charset="0"/>
-              </a:rPr>
-              <a:t>(</a:t>
-            </a:r>
-            <a:r>
-              <a:rPr kumimoji="0" lang="ja-JP" altLang="en-US" sz="2800" i="0" u="none" strike="noStrike" cap="none" normalizeH="0" baseline="0" dirty="0">
-                <a:ln>
-                  <a:noFill/>
-                </a:ln>
-                <a:effectLst/>
-                <a:latin typeface="Arial" panose="020B0604020202020204" pitchFamily="34" charset="0"/>
-              </a:rPr>
-              <a:t>出力を整形して、バケツリレーでも実装可能</a:t>
-            </a:r>
-            <a:r>
-              <a:rPr kumimoji="0" lang="en-US" altLang="ja-JP" sz="2800" i="0" u="none" strike="noStrike" cap="none" normalizeH="0" baseline="0" dirty="0">
-                <a:ln>
-                  <a:noFill/>
-                </a:ln>
-                <a:effectLst/>
-                <a:latin typeface="Arial" panose="020B0604020202020204" pitchFamily="34" charset="0"/>
-              </a:rPr>
-              <a:t>)</a:t>
-            </a:r>
+              <a:t>ロードバランサーが作成され、リクエストが振り分けられている</a:t>
+            </a:r>
+            <a:endParaRPr kumimoji="0" lang="en-US" altLang="ja-JP" sz="2800" i="0" u="none" strike="noStrike" cap="none" normalizeH="0" baseline="0" dirty="0">
+              <a:ln>
+                <a:noFill/>
+              </a:ln>
+              <a:effectLst/>
+              <a:latin typeface="Arial" panose="020B0604020202020204" pitchFamily="34" charset="0"/>
+            </a:endParaRPr>
           </a:p>
         </p:txBody>
       </p:sp>
       <p:pic>
         <p:nvPicPr>
-          <p:cNvPr id="5" name="図 4">
-            <a:extLst>
-              <a:ext uri="{FF2B5EF4-FFF2-40B4-BE49-F238E27FC236}">
-                <a16:creationId xmlns:a16="http://schemas.microsoft.com/office/drawing/2014/main" id="{DF794CA4-200A-7566-3F62-D416A287FF41}"/>
+          <p:cNvPr id="4" name="図 3">
+            <a:extLst>
+              <a:ext uri="{FF2B5EF4-FFF2-40B4-BE49-F238E27FC236}">
+                <a16:creationId xmlns:a16="http://schemas.microsoft.com/office/drawing/2014/main" id="{E8B2C381-03B4-3F13-DA17-8274209BD506}"/>
               </a:ext>
             </a:extLst>
           </p:cNvPr>
@@ -5458,8 +5480,8 @@
         </p:blipFill>
         <p:spPr>
           <a:xfrm>
-            <a:off x="343949" y="1159422"/>
-            <a:ext cx="11169535" cy="5450610"/>
+            <a:off x="599813" y="810974"/>
+            <a:ext cx="10992374" cy="5558008"/>
           </a:xfrm>
           <a:prstGeom prst="rect">
             <a:avLst/>
@@ -5469,7 +5491,7 @@
     </p:spTree>
     <p:extLst>
       <p:ext uri="{BB962C8B-B14F-4D97-AF65-F5344CB8AC3E}">
-        <p14:creationId xmlns:p14="http://schemas.microsoft.com/office/powerpoint/2010/main" val="3422882632"/>
+        <p14:creationId xmlns:p14="http://schemas.microsoft.com/office/powerpoint/2010/main" val="3478574041"/>
       </p:ext>
     </p:extLst>
   </p:cSld>
@@ -5479,7 +5501,7 @@
 </p:sld>
 </file>
 
-<file path=ppt/slides/slide19.xml><?xml version="1.0" encoding="utf-8"?>
+<file path=ppt/slides/slide17.xml><?xml version="1.0" encoding="utf-8"?>
 <p:sld xmlns:a="http://schemas.openxmlformats.org/drawingml/2006/main" xmlns:r="http://schemas.openxmlformats.org/officeDocument/2006/relationships" xmlns:p="http://schemas.openxmlformats.org/presentationml/2006/main">
   <p:cSld>
     <p:spTree>
@@ -5504,10 +5526,10 @@
       </p:grpSpPr>
       <p:sp>
         <p:nvSpPr>
-          <p:cNvPr id="4" name="Rectangle 1">
-            <a:extLst>
-              <a:ext uri="{FF2B5EF4-FFF2-40B4-BE49-F238E27FC236}">
-                <a16:creationId xmlns:a16="http://schemas.microsoft.com/office/drawing/2014/main" id="{C3327D72-450D-4290-3EBF-95F44E547703}"/>
+          <p:cNvPr id="2" name="Rectangle 1">
+            <a:extLst>
+              <a:ext uri="{FF2B5EF4-FFF2-40B4-BE49-F238E27FC236}">
+                <a16:creationId xmlns:a16="http://schemas.microsoft.com/office/drawing/2014/main" id="{4B817DB1-F779-5D54-D71C-109054967231}"/>
               </a:ext>
             </a:extLst>
           </p:cNvPr>
@@ -5518,8 +5540,8 @@
         </p:nvSpPr>
         <p:spPr bwMode="auto">
           <a:xfrm>
-            <a:off x="343949" y="329317"/>
-            <a:ext cx="6428363" cy="523220"/>
+            <a:off x="335323" y="294040"/>
+            <a:ext cx="10197022" cy="769441"/>
           </a:xfrm>
           <a:prstGeom prst="rect">
             <a:avLst/>
@@ -5567,54 +5589,68 @@
           </a:bodyPr>
           <a:lstStyle/>
           <a:p>
-            <a:pPr marL="0" marR="0" lvl="0" indent="0" algn="l" defTabSz="914400" rtl="0" eaLnBrk="0" fontAlgn="base" latinLnBrk="0" hangingPunct="0">
-              <a:lnSpc>
-                <a:spcPct val="100000"/>
-              </a:lnSpc>
+            <a:pPr lvl="0" eaLnBrk="0" fontAlgn="base" hangingPunct="0">
               <a:spcBef>
                 <a:spcPct val="0"/>
               </a:spcBef>
               <a:spcAft>
                 <a:spcPct val="0"/>
               </a:spcAft>
-              <a:buClrTx/>
-              <a:buSzTx/>
-              <a:tabLst/>
             </a:pPr>
             <a:r>
-              <a:rPr kumimoji="0" lang="ja-JP" altLang="en-US" sz="2800" i="0" u="none" strike="noStrike" cap="none" normalizeH="0" baseline="0" dirty="0">
-                <a:ln>
-                  <a:noFill/>
-                </a:ln>
-                <a:effectLst/>
-                <a:latin typeface="Arial" panose="020B0604020202020204" pitchFamily="34" charset="0"/>
-              </a:rPr>
-              <a:t>必要な引数を与えて、</a:t>
-            </a:r>
-            <a:r>
-              <a:rPr kumimoji="0" lang="en-US" altLang="ja-JP" sz="2800" dirty="0">
-                <a:latin typeface="Arial" panose="020B0604020202020204" pitchFamily="34" charset="0"/>
-              </a:rPr>
-              <a:t>DB</a:t>
-            </a:r>
-            <a:r>
-              <a:rPr kumimoji="0" lang="ja-JP" altLang="en-US" sz="2800" dirty="0">
-                <a:latin typeface="Arial" panose="020B0604020202020204" pitchFamily="34" charset="0"/>
-              </a:rPr>
-              <a:t>登録処理実行</a:t>
-            </a:r>
-            <a:endParaRPr kumimoji="0" lang="en-US" altLang="ja-JP" sz="2800" dirty="0">
-              <a:latin typeface="Arial" panose="020B0604020202020204" pitchFamily="34" charset="0"/>
+              <a:rPr lang="en-US" altLang="ja-JP" sz="2200" dirty="0"/>
+              <a:t>ALB → Pod IP </a:t>
+            </a:r>
+            <a:r>
+              <a:rPr lang="ja-JP" altLang="en-US" sz="2200" dirty="0"/>
+              <a:t>に直接ルーティング</a:t>
+            </a:r>
+            <a:br>
+              <a:rPr lang="en-US" altLang="ja-JP" sz="2200" dirty="0"/>
+            </a:br>
+            <a:r>
+              <a:rPr lang="ja-JP" altLang="en-US" sz="2200" dirty="0"/>
+              <a:t>コンソールに並んでいる </a:t>
+            </a:r>
+            <a:r>
+              <a:rPr lang="en-US" altLang="ja-JP" sz="2200" dirty="0"/>
+              <a:t>IP </a:t>
+            </a:r>
+            <a:r>
+              <a:rPr lang="ja-JP" altLang="en-US" sz="2200" dirty="0"/>
+              <a:t>は </a:t>
+            </a:r>
+            <a:r>
+              <a:rPr lang="en-US" altLang="ja-JP" sz="2200" dirty="0"/>
+              <a:t>EC2 </a:t>
+            </a:r>
+            <a:r>
+              <a:rPr lang="ja-JP" altLang="en-US" sz="2200" dirty="0"/>
+              <a:t>ノードのアドレスではなく </a:t>
+            </a:r>
+            <a:r>
+              <a:rPr lang="en-US" altLang="ja-JP" sz="2200" dirty="0"/>
+              <a:t>Pod </a:t>
+            </a:r>
+            <a:r>
+              <a:rPr lang="ja-JP" altLang="en-US" sz="2200" dirty="0"/>
+              <a:t>のアドレス</a:t>
+            </a:r>
+            <a:endParaRPr kumimoji="0" lang="en-US" altLang="ja-JP" sz="2200" i="0" u="none" strike="noStrike" cap="none" normalizeH="0" baseline="0" dirty="0">
+              <a:ln>
+                <a:noFill/>
+              </a:ln>
+              <a:effectLst/>
             </a:endParaRPr>
           </a:p>
         </p:txBody>
       </p:sp>
       <p:pic>
         <p:nvPicPr>
-          <p:cNvPr id="3" name="図 2">
-            <a:extLst>
-              <a:ext uri="{FF2B5EF4-FFF2-40B4-BE49-F238E27FC236}">
-                <a16:creationId xmlns:a16="http://schemas.microsoft.com/office/drawing/2014/main" id="{37465804-E4A3-4672-5401-26AF790A870E}"/>
+          <p:cNvPr id="6" name="図 5">
+            <a:extLst>
+              <a:ext uri="{FF2B5EF4-FFF2-40B4-BE49-F238E27FC236}">
+                <a16:creationId xmlns:a16="http://schemas.microsoft.com/office/drawing/2014/main" id="{FD0A800D-9DA3-BE83-9FAD-5AD685EC435D}"/>
               </a:ext>
             </a:extLst>
           </p:cNvPr>
@@ -5631,8 +5667,8 @@
         </p:blipFill>
         <p:spPr>
           <a:xfrm>
-            <a:off x="343949" y="1118996"/>
-            <a:ext cx="11495090" cy="5484482"/>
+            <a:off x="931653" y="1192877"/>
+            <a:ext cx="10328694" cy="5202928"/>
           </a:xfrm>
           <a:prstGeom prst="rect">
             <a:avLst/>
@@ -5642,7 +5678,7 @@
     </p:spTree>
     <p:extLst>
       <p:ext uri="{BB962C8B-B14F-4D97-AF65-F5344CB8AC3E}">
-        <p14:creationId xmlns:p14="http://schemas.microsoft.com/office/powerpoint/2010/main" val="3271047924"/>
+        <p14:creationId xmlns:p14="http://schemas.microsoft.com/office/powerpoint/2010/main" val="3422882632"/>
       </p:ext>
     </p:extLst>
   </p:cSld>
@@ -6218,7 +6254,6 @@
                   <a:srgbClr val="1C1E21"/>
                 </a:solidFill>
                 <a:effectLst/>
-                <a:latin typeface="SFMono-Regular"/>
               </a:rPr>
               <a:t>--</a:t>
             </a:r>
@@ -6228,7 +6263,6 @@
                   <a:srgbClr val="1C1E21"/>
                 </a:solidFill>
                 <a:effectLst/>
-                <a:latin typeface="SFMono-Regular"/>
               </a:rPr>
               <a:t>nodegroup</a:t>
             </a:r>
@@ -6238,7 +6272,6 @@
                   <a:srgbClr val="1C1E21"/>
                 </a:solidFill>
                 <a:effectLst/>
-                <a:latin typeface="SFMono-Regular"/>
               </a:rPr>
               <a:t>-name </a:t>
             </a:r>
@@ -6248,7 +6281,6 @@
                   <a:srgbClr val="1C1E21"/>
                 </a:solidFill>
                 <a:effectLst/>
-                <a:latin typeface="SFMono-Regular"/>
               </a:rPr>
               <a:t>ノードグループの名前</a:t>
             </a:r>
@@ -6258,7 +6290,6 @@
                   <a:srgbClr val="1C1E21"/>
                 </a:solidFill>
                 <a:effectLst/>
-                <a:latin typeface="SFMono-Regular"/>
               </a:rPr>
             </a:br>
             <a:r>
@@ -6267,7 +6298,6 @@
                   <a:srgbClr val="1C1E21"/>
                 </a:solidFill>
                 <a:effectLst/>
-                <a:latin typeface="SFMono-Regular"/>
               </a:rPr>
               <a:t>--node-type</a:t>
             </a:r>
@@ -6277,7 +6307,6 @@
                   <a:srgbClr val="1C1E21"/>
                 </a:solidFill>
                 <a:effectLst/>
-                <a:latin typeface="system-ui"/>
               </a:rPr>
               <a:t>ノードグループで使用するインスタンスタイプ</a:t>
             </a:r>
@@ -6287,7 +6316,6 @@
                   <a:srgbClr val="1C1E21"/>
                 </a:solidFill>
                 <a:effectLst/>
-                <a:latin typeface="system-ui"/>
               </a:rPr>
             </a:br>
             <a:r>
@@ -6296,7 +6324,6 @@
                   <a:srgbClr val="1C1E21"/>
                 </a:solidFill>
                 <a:effectLst/>
-                <a:latin typeface="system-ui"/>
               </a:rPr>
               <a:t>--nodes</a:t>
             </a:r>
@@ -6306,7 +6333,6 @@
                   <a:srgbClr val="1C1E21"/>
                 </a:solidFill>
                 <a:effectLst/>
-                <a:latin typeface="system-ui"/>
               </a:rPr>
               <a:t>ノードグループのノード数</a:t>
             </a:r>
@@ -6353,56 +6379,12 @@
           <a:chExt cx="0" cy="0"/>
         </a:xfrm>
       </p:grpSpPr>
-      <p:sp>
-        <p:nvSpPr>
-          <p:cNvPr id="10" name="テキスト ボックス 9">
-            <a:extLst>
-              <a:ext uri="{FF2B5EF4-FFF2-40B4-BE49-F238E27FC236}">
-                <a16:creationId xmlns:a16="http://schemas.microsoft.com/office/drawing/2014/main" id="{55274DF9-FE10-C756-A3DD-A0945923BFFE}"/>
-              </a:ext>
-            </a:extLst>
-          </p:cNvPr>
-          <p:cNvSpPr txBox="1"/>
-          <p:nvPr/>
-        </p:nvSpPr>
-        <p:spPr>
-          <a:xfrm>
-            <a:off x="382398" y="471259"/>
-            <a:ext cx="5261944" cy="523220"/>
-          </a:xfrm>
-          <a:prstGeom prst="rect">
-            <a:avLst/>
-          </a:prstGeom>
-          <a:noFill/>
-        </p:spPr>
-        <p:txBody>
-          <a:bodyPr wrap="square">
-            <a:spAutoFit/>
-          </a:bodyPr>
-          <a:lstStyle/>
-          <a:p>
-            <a:r>
-              <a:rPr lang="ja-JP" altLang="en-US" sz="2800" dirty="0"/>
-              <a:t>記事の</a:t>
-            </a:r>
-            <a:r>
-              <a:rPr lang="en-US" altLang="ja-JP" sz="2800" dirty="0"/>
-              <a:t>ID</a:t>
-            </a:r>
-            <a:r>
-              <a:rPr lang="ja-JP" altLang="en-US" sz="2800" dirty="0"/>
-              <a:t>を入力にして、実行</a:t>
-            </a:r>
-            <a:endParaRPr lang="en-US" altLang="ja-JP" sz="2800" dirty="0"/>
-          </a:p>
-        </p:txBody>
-      </p:sp>
       <p:pic>
         <p:nvPicPr>
-          <p:cNvPr id="3" name="図 2">
-            <a:extLst>
-              <a:ext uri="{FF2B5EF4-FFF2-40B4-BE49-F238E27FC236}">
-                <a16:creationId xmlns:a16="http://schemas.microsoft.com/office/drawing/2014/main" id="{0F8F8DD4-AB16-A3ED-59D2-BF6C82CFD929}"/>
+          <p:cNvPr id="4" name="図 3">
+            <a:extLst>
+              <a:ext uri="{FF2B5EF4-FFF2-40B4-BE49-F238E27FC236}">
+                <a16:creationId xmlns:a16="http://schemas.microsoft.com/office/drawing/2014/main" id="{40B820AE-8100-2D8D-9E31-DF0590337274}"/>
               </a:ext>
             </a:extLst>
           </p:cNvPr>
@@ -6419,8 +6401,8 @@
         </p:blipFill>
         <p:spPr>
           <a:xfrm>
-            <a:off x="382397" y="1054762"/>
-            <a:ext cx="10879799" cy="4282009"/>
+            <a:off x="272908" y="531033"/>
+            <a:ext cx="11646184" cy="5584541"/>
           </a:xfrm>
           <a:prstGeom prst="rect">
             <a:avLst/>
@@ -6459,10 +6441,10 @@
       </p:grpSpPr>
       <p:sp>
         <p:nvSpPr>
-          <p:cNvPr id="10" name="テキスト ボックス 9">
-            <a:extLst>
-              <a:ext uri="{FF2B5EF4-FFF2-40B4-BE49-F238E27FC236}">
-                <a16:creationId xmlns:a16="http://schemas.microsoft.com/office/drawing/2014/main" id="{55274DF9-FE10-C756-A3DD-A0945923BFFE}"/>
+          <p:cNvPr id="4" name="テキスト ボックス 3">
+            <a:extLst>
+              <a:ext uri="{FF2B5EF4-FFF2-40B4-BE49-F238E27FC236}">
+                <a16:creationId xmlns:a16="http://schemas.microsoft.com/office/drawing/2014/main" id="{2F1B8F0E-73FF-AD08-7FE5-CC350E44F504}"/>
               </a:ext>
             </a:extLst>
           </p:cNvPr>
@@ -6471,8 +6453,8 @@
         </p:nvSpPr>
         <p:spPr>
           <a:xfrm>
-            <a:off x="382398" y="471259"/>
-            <a:ext cx="9609500" cy="523220"/>
+            <a:off x="7727260" y="395758"/>
+            <a:ext cx="4231546" cy="1015663"/>
           </a:xfrm>
           <a:prstGeom prst="rect">
             <a:avLst/>
@@ -6486,57 +6468,67 @@
           <a:lstStyle/>
           <a:p>
             <a:r>
-              <a:rPr lang="ja-JP" altLang="en-US" sz="2800" dirty="0"/>
-              <a:t>英訳と音声化したファイルの</a:t>
-            </a:r>
-            <a:r>
-              <a:rPr lang="en-US" altLang="ja-JP" sz="2800" dirty="0"/>
-              <a:t>URL</a:t>
-            </a:r>
-            <a:r>
-              <a:rPr lang="ja-JP" altLang="en-US" sz="2800" dirty="0"/>
-              <a:t>を</a:t>
-            </a:r>
-            <a:r>
-              <a:rPr lang="en-US" altLang="ja-JP" sz="2800" dirty="0"/>
-              <a:t>DB</a:t>
-            </a:r>
-            <a:r>
-              <a:rPr lang="ja-JP" altLang="en-US" sz="2800" dirty="0"/>
-              <a:t>に登録</a:t>
-            </a:r>
-            <a:endParaRPr lang="en-US" altLang="ja-JP" sz="2800" dirty="0"/>
+              <a:rPr lang="ja-JP" altLang="en-US" sz="2000" dirty="0"/>
+              <a:t>参考</a:t>
+            </a:r>
+            <a:br>
+              <a:rPr lang="en-US" altLang="ja-JP" sz="2000" dirty="0"/>
+            </a:br>
+            <a:r>
+              <a:rPr lang="en-US" altLang="ja-JP" sz="2000" dirty="0">
+                <a:hlinkClick r:id="rId2"/>
+              </a:rPr>
+              <a:t>Kubernetes Deployment - Getting Started</a:t>
+            </a:r>
+            <a:endParaRPr lang="en-US" altLang="ja-JP" sz="2000" dirty="0"/>
           </a:p>
         </p:txBody>
       </p:sp>
       <p:pic>
         <p:nvPicPr>
-          <p:cNvPr id="3" name="図 2">
-            <a:extLst>
-              <a:ext uri="{FF2B5EF4-FFF2-40B4-BE49-F238E27FC236}">
-                <a16:creationId xmlns:a16="http://schemas.microsoft.com/office/drawing/2014/main" id="{D5AAEF7D-F741-32A2-A3B4-BEFAE783DE46}"/>
+          <p:cNvPr id="1026" name="Picture 2" descr="typical diagram of multi-node without HA">
+            <a:extLst>
+              <a:ext uri="{FF2B5EF4-FFF2-40B4-BE49-F238E27FC236}">
+                <a16:creationId xmlns:a16="http://schemas.microsoft.com/office/drawing/2014/main" id="{66EE3FA4-F9DB-F1B2-5D75-66E5C27B4744}"/>
               </a:ext>
             </a:extLst>
           </p:cNvPr>
           <p:cNvPicPr>
-            <a:picLocks noChangeAspect="1"/>
+            <a:picLocks noChangeAspect="1" noChangeArrowheads="1"/>
           </p:cNvPicPr>
           <p:nvPr/>
         </p:nvPicPr>
         <p:blipFill>
-          <a:blip r:embed="rId2"/>
+          <a:blip r:embed="rId3">
+            <a:extLst>
+              <a:ext uri="{28A0092B-C50C-407E-A947-70E740481C1C}">
+                <a14:useLocalDpi xmlns:a14="http://schemas.microsoft.com/office/drawing/2010/main" val="0"/>
+              </a:ext>
+            </a:extLst>
+          </a:blip>
+          <a:srcRect/>
           <a:stretch>
             <a:fillRect/>
           </a:stretch>
         </p:blipFill>
-        <p:spPr>
+        <p:spPr bwMode="auto">
           <a:xfrm>
-            <a:off x="382398" y="1079769"/>
-            <a:ext cx="7565375" cy="5408579"/>
+            <a:off x="233194" y="395758"/>
+            <a:ext cx="7367232" cy="6309763"/>
           </a:xfrm>
           <a:prstGeom prst="rect">
             <a:avLst/>
           </a:prstGeom>
+          <a:noFill/>
+          <a:extLst>
+            <a:ext uri="{909E8E84-426E-40DD-AFC4-6F175D3DCCD1}">
+              <a14:hiddenFill xmlns:a14="http://schemas.microsoft.com/office/drawing/2010/main">
+                <a:solidFill>
+                  <a:srgbClr val="FFFFFF"/>
+                </a:solidFill>
+              </a14:hiddenFill>
+            </a:ext>
+          </a:extLst>
         </p:spPr>
       </p:pic>
     </p:spTree>
@@ -6569,12 +6561,42 @@
           <a:chExt cx="0" cy="0"/>
         </a:xfrm>
       </p:grpSpPr>
-      <p:sp>
-        <p:nvSpPr>
-          <p:cNvPr id="10" name="テキスト ボックス 9">
-            <a:extLst>
-              <a:ext uri="{FF2B5EF4-FFF2-40B4-BE49-F238E27FC236}">
-                <a16:creationId xmlns:a16="http://schemas.microsoft.com/office/drawing/2014/main" id="{55274DF9-FE10-C756-A3DD-A0945923BFFE}"/>
+      <p:pic>
+        <p:nvPicPr>
+          <p:cNvPr id="5" name="図 4">
+            <a:extLst>
+              <a:ext uri="{FF2B5EF4-FFF2-40B4-BE49-F238E27FC236}">
+                <a16:creationId xmlns:a16="http://schemas.microsoft.com/office/drawing/2014/main" id="{E914BDA1-7EDE-1D67-648A-A6DDF8B635D4}"/>
+              </a:ext>
+            </a:extLst>
+          </p:cNvPr>
+          <p:cNvPicPr>
+            <a:picLocks noChangeAspect="1"/>
+          </p:cNvPicPr>
+          <p:nvPr/>
+        </p:nvPicPr>
+        <p:blipFill>
+          <a:blip r:embed="rId2"/>
+          <a:stretch>
+            <a:fillRect/>
+          </a:stretch>
+        </p:blipFill>
+        <p:spPr>
+          <a:xfrm>
+            <a:off x="494948" y="1069088"/>
+            <a:ext cx="10302052" cy="5172829"/>
+          </a:xfrm>
+          <a:prstGeom prst="rect">
+            <a:avLst/>
+          </a:prstGeom>
+        </p:spPr>
+      </p:pic>
+      <p:sp>
+        <p:nvSpPr>
+          <p:cNvPr id="8" name="テキスト ボックス 7">
+            <a:extLst>
+              <a:ext uri="{FF2B5EF4-FFF2-40B4-BE49-F238E27FC236}">
+                <a16:creationId xmlns:a16="http://schemas.microsoft.com/office/drawing/2014/main" id="{4D18B523-245E-186E-B499-47996B2CA785}"/>
               </a:ext>
             </a:extLst>
           </p:cNvPr>
@@ -6583,8 +6605,8 @@
         </p:nvSpPr>
         <p:spPr>
           <a:xfrm>
-            <a:off x="382398" y="471259"/>
-            <a:ext cx="9609500" cy="523220"/>
+            <a:off x="494948" y="436228"/>
+            <a:ext cx="7235887" cy="523220"/>
           </a:xfrm>
           <a:prstGeom prst="rect">
             <a:avLst/>
@@ -6592,94 +6614,19 @@
           <a:noFill/>
         </p:spPr>
         <p:txBody>
-          <a:bodyPr wrap="square">
+          <a:bodyPr wrap="square" rtlCol="0">
             <a:spAutoFit/>
           </a:bodyPr>
           <a:lstStyle/>
           <a:p>
             <a:r>
               <a:rPr lang="ja-JP" altLang="en-US" sz="2800" dirty="0"/>
-              <a:t>英訳と音声化したファイルの</a:t>
-            </a:r>
-            <a:r>
-              <a:rPr lang="en-US" altLang="ja-JP" sz="2800" dirty="0"/>
-              <a:t>URL</a:t>
-            </a:r>
-            <a:r>
-              <a:rPr lang="ja-JP" altLang="en-US" sz="2800" dirty="0"/>
-              <a:t>を</a:t>
-            </a:r>
-            <a:r>
-              <a:rPr lang="en-US" altLang="ja-JP" sz="2800" dirty="0"/>
-              <a:t>DB</a:t>
-            </a:r>
-            <a:r>
-              <a:rPr lang="ja-JP" altLang="en-US" sz="2800" dirty="0"/>
-              <a:t>に登録</a:t>
+              <a:t>リソースが一括作成されている</a:t>
             </a:r>
             <a:endParaRPr lang="en-US" altLang="ja-JP" sz="2800" dirty="0"/>
           </a:p>
         </p:txBody>
       </p:sp>
-      <p:pic>
-        <p:nvPicPr>
-          <p:cNvPr id="3" name="図 2">
-            <a:extLst>
-              <a:ext uri="{FF2B5EF4-FFF2-40B4-BE49-F238E27FC236}">
-                <a16:creationId xmlns:a16="http://schemas.microsoft.com/office/drawing/2014/main" id="{D5AAEF7D-F741-32A2-A3B4-BEFAE783DE46}"/>
-              </a:ext>
-            </a:extLst>
-          </p:cNvPr>
-          <p:cNvPicPr>
-            <a:picLocks noChangeAspect="1"/>
-          </p:cNvPicPr>
-          <p:nvPr/>
-        </p:nvPicPr>
-        <p:blipFill rotWithShape="1">
-          <a:blip r:embed="rId2"/>
-          <a:srcRect t="62109"/>
-          <a:stretch/>
-        </p:blipFill>
-        <p:spPr>
-          <a:xfrm>
-            <a:off x="382398" y="1305098"/>
-            <a:ext cx="8193489" cy="2219499"/>
-          </a:xfrm>
-          <a:prstGeom prst="rect">
-            <a:avLst/>
-          </a:prstGeom>
-        </p:spPr>
-      </p:pic>
-      <p:pic>
-        <p:nvPicPr>
-          <p:cNvPr id="2" name="図 1">
-            <a:extLst>
-              <a:ext uri="{FF2B5EF4-FFF2-40B4-BE49-F238E27FC236}">
-                <a16:creationId xmlns:a16="http://schemas.microsoft.com/office/drawing/2014/main" id="{AA925F64-FEFD-E99C-5916-79260482DE56}"/>
-              </a:ext>
-            </a:extLst>
-          </p:cNvPr>
-          <p:cNvPicPr>
-            <a:picLocks noChangeAspect="1"/>
-          </p:cNvPicPr>
-          <p:nvPr/>
-        </p:nvPicPr>
-        <p:blipFill>
-          <a:blip r:embed="rId3"/>
-          <a:stretch>
-            <a:fillRect/>
-          </a:stretch>
-        </p:blipFill>
-        <p:spPr>
-          <a:xfrm>
-            <a:off x="382398" y="3835216"/>
-            <a:ext cx="11519017" cy="2710357"/>
-          </a:xfrm>
-          <a:prstGeom prst="rect">
-            <a:avLst/>
-          </a:prstGeom>
-        </p:spPr>
-      </p:pic>
     </p:spTree>
     <p:extLst>
       <p:ext uri="{BB962C8B-B14F-4D97-AF65-F5344CB8AC3E}">
@@ -6710,71 +6657,12 @@
           <a:chExt cx="0" cy="0"/>
         </a:xfrm>
       </p:grpSpPr>
-      <p:sp>
-        <p:nvSpPr>
-          <p:cNvPr id="4" name="テキスト ボックス 3">
-            <a:extLst>
-              <a:ext uri="{FF2B5EF4-FFF2-40B4-BE49-F238E27FC236}">
-                <a16:creationId xmlns:a16="http://schemas.microsoft.com/office/drawing/2014/main" id="{4D18B523-245E-186E-B499-47996B2CA785}"/>
-              </a:ext>
-            </a:extLst>
-          </p:cNvPr>
-          <p:cNvSpPr txBox="1"/>
-          <p:nvPr/>
-        </p:nvSpPr>
-        <p:spPr>
-          <a:xfrm>
-            <a:off x="494948" y="436228"/>
-            <a:ext cx="7235887" cy="954107"/>
-          </a:xfrm>
-          <a:prstGeom prst="rect">
-            <a:avLst/>
-          </a:prstGeom>
-          <a:noFill/>
-        </p:spPr>
-        <p:txBody>
-          <a:bodyPr wrap="square" rtlCol="0">
-            <a:spAutoFit/>
-          </a:bodyPr>
-          <a:lstStyle/>
-          <a:p>
-            <a:r>
-              <a:rPr lang="ja-JP" altLang="en-US" sz="2800" dirty="0"/>
-              <a:t>言語は</a:t>
-            </a:r>
-            <a:r>
-              <a:rPr lang="en-US" altLang="ja-JP" sz="2800" dirty="0" err="1"/>
-              <a:t>JSONata</a:t>
-            </a:r>
-            <a:r>
-              <a:rPr lang="ja-JP" altLang="en-US" sz="2800" dirty="0"/>
-              <a:t>を使用</a:t>
-            </a:r>
-            <a:br>
-              <a:rPr lang="en-US" altLang="ja-JP" sz="2800" dirty="0"/>
-            </a:br>
-            <a:r>
-              <a:rPr lang="en-US" altLang="ja-JP" sz="2800" dirty="0"/>
-              <a:t>※</a:t>
-            </a:r>
-            <a:r>
-              <a:rPr lang="en-US" altLang="ja-JP" sz="2800" dirty="0" err="1"/>
-              <a:t>JSONPath</a:t>
-            </a:r>
-            <a:r>
-              <a:rPr lang="ja-JP" altLang="en-US" sz="2800" dirty="0"/>
-              <a:t>と文法が大きく異なる</a:t>
-            </a:r>
-            <a:endParaRPr lang="en-US" altLang="ja-JP" sz="2800" dirty="0"/>
-          </a:p>
-        </p:txBody>
-      </p:sp>
       <p:pic>
         <p:nvPicPr>
-          <p:cNvPr id="8" name="図 7">
-            <a:extLst>
-              <a:ext uri="{FF2B5EF4-FFF2-40B4-BE49-F238E27FC236}">
-                <a16:creationId xmlns:a16="http://schemas.microsoft.com/office/drawing/2014/main" id="{9A079AB9-6430-8186-A9FA-C87727CA279B}"/>
+          <p:cNvPr id="3" name="図 2">
+            <a:extLst>
+              <a:ext uri="{FF2B5EF4-FFF2-40B4-BE49-F238E27FC236}">
+                <a16:creationId xmlns:a16="http://schemas.microsoft.com/office/drawing/2014/main" id="{F7D640C6-4F99-0AA0-E121-612D5AD7A0F3}"/>
               </a:ext>
             </a:extLst>
           </p:cNvPr>
@@ -6791,8 +6679,74 @@
         </p:blipFill>
         <p:spPr>
           <a:xfrm>
-            <a:off x="494949" y="1770611"/>
-            <a:ext cx="9511531" cy="4493219"/>
+            <a:off x="494948" y="1290782"/>
+            <a:ext cx="11403820" cy="2844990"/>
+          </a:xfrm>
+          <a:prstGeom prst="rect">
+            <a:avLst/>
+          </a:prstGeom>
+        </p:spPr>
+      </p:pic>
+      <p:sp>
+        <p:nvSpPr>
+          <p:cNvPr id="5" name="テキスト ボックス 4">
+            <a:extLst>
+              <a:ext uri="{FF2B5EF4-FFF2-40B4-BE49-F238E27FC236}">
+                <a16:creationId xmlns:a16="http://schemas.microsoft.com/office/drawing/2014/main" id="{CA62E8E1-6D61-4A4F-554D-2E60D4384722}"/>
+              </a:ext>
+            </a:extLst>
+          </p:cNvPr>
+          <p:cNvSpPr txBox="1"/>
+          <p:nvPr/>
+        </p:nvSpPr>
+        <p:spPr>
+          <a:xfrm>
+            <a:off x="494948" y="436228"/>
+            <a:ext cx="7235887" cy="523220"/>
+          </a:xfrm>
+          <a:prstGeom prst="rect">
+            <a:avLst/>
+          </a:prstGeom>
+          <a:noFill/>
+        </p:spPr>
+        <p:txBody>
+          <a:bodyPr wrap="square" rtlCol="0">
+            <a:spAutoFit/>
+          </a:bodyPr>
+          <a:lstStyle/>
+          <a:p>
+            <a:r>
+              <a:rPr lang="ja-JP" altLang="en-US" sz="2800" dirty="0"/>
+              <a:t>ノードが二つ作成されている</a:t>
+            </a:r>
+            <a:endParaRPr lang="en-US" altLang="ja-JP" sz="2800" dirty="0"/>
+          </a:p>
+        </p:txBody>
+      </p:sp>
+      <p:pic>
+        <p:nvPicPr>
+          <p:cNvPr id="7" name="図 6">
+            <a:extLst>
+              <a:ext uri="{FF2B5EF4-FFF2-40B4-BE49-F238E27FC236}">
+                <a16:creationId xmlns:a16="http://schemas.microsoft.com/office/drawing/2014/main" id="{90101A0E-5878-0D2A-CD69-B9E4FFACD019}"/>
+              </a:ext>
+            </a:extLst>
+          </p:cNvPr>
+          <p:cNvPicPr>
+            <a:picLocks noChangeAspect="1"/>
+          </p:cNvPicPr>
+          <p:nvPr/>
+        </p:nvPicPr>
+        <p:blipFill>
+          <a:blip r:embed="rId3"/>
+          <a:stretch>
+            <a:fillRect/>
+          </a:stretch>
+        </p:blipFill>
+        <p:spPr>
+          <a:xfrm>
+            <a:off x="494948" y="4711387"/>
+            <a:ext cx="11555438" cy="1143160"/>
           </a:xfrm>
           <a:prstGeom prst="rect">
             <a:avLst/>
@@ -6846,7 +6800,7 @@
         <p:spPr bwMode="auto">
           <a:xfrm>
             <a:off x="343949" y="287754"/>
-            <a:ext cx="3775393" cy="523220"/>
+            <a:ext cx="3182281" cy="523220"/>
           </a:xfrm>
           <a:prstGeom prst="rect">
             <a:avLst/>
@@ -6909,6 +6863,12 @@
               <a:tabLst/>
             </a:pPr>
             <a:r>
+              <a:rPr kumimoji="0" lang="en-US" altLang="ja-JP" sz="2800" dirty="0">
+                <a:latin typeface="Arial" panose="020B0604020202020204" pitchFamily="34" charset="0"/>
+              </a:rPr>
+              <a:t>Deployment</a:t>
+            </a:r>
+            <a:r>
               <a:rPr kumimoji="0" lang="ja-JP" altLang="en-US" sz="2800" i="0" u="none" strike="noStrike" cap="none" normalizeH="0" baseline="0" dirty="0">
                 <a:ln>
                   <a:noFill/>
@@ -6916,9 +6876,9 @@
                 <a:effectLst/>
                 <a:latin typeface="Arial" panose="020B0604020202020204" pitchFamily="34" charset="0"/>
               </a:rPr>
-              <a:t>権限の付与を忘れずに</a:t>
-            </a:r>
-            <a:endParaRPr kumimoji="0" lang="ja-JP" altLang="ja-JP" sz="2800" i="0" u="none" strike="noStrike" cap="none" normalizeH="0" baseline="0" dirty="0">
+              <a:t>を作成</a:t>
+            </a:r>
+            <a:endParaRPr kumimoji="0" lang="en-US" altLang="ja-JP" sz="2800" i="0" u="none" strike="noStrike" cap="none" normalizeH="0" baseline="0" dirty="0">
               <a:ln>
                 <a:noFill/>
               </a:ln>
@@ -6928,12 +6888,117 @@
           </a:p>
         </p:txBody>
       </p:sp>
+      <p:sp>
+        <p:nvSpPr>
+          <p:cNvPr id="10" name="Rectangle 1">
+            <a:extLst>
+              <a:ext uri="{FF2B5EF4-FFF2-40B4-BE49-F238E27FC236}">
+                <a16:creationId xmlns:a16="http://schemas.microsoft.com/office/drawing/2014/main" id="{4E7B659E-190E-3F01-97DE-76D53B06A8D6}"/>
+              </a:ext>
+            </a:extLst>
+          </p:cNvPr>
+          <p:cNvSpPr>
+            <a:spLocks noChangeArrowheads="1"/>
+          </p:cNvSpPr>
+          <p:nvPr/>
+        </p:nvSpPr>
+        <p:spPr bwMode="auto">
+          <a:xfrm>
+            <a:off x="343949" y="1818605"/>
+            <a:ext cx="2460930" cy="523220"/>
+          </a:xfrm>
+          <a:prstGeom prst="rect">
+            <a:avLst/>
+          </a:prstGeom>
+          <a:noFill/>
+          <a:ln>
+            <a:noFill/>
+          </a:ln>
+          <a:effectLst/>
+          <a:extLst>
+            <a:ext uri="{909E8E84-426E-40DD-AFC4-6F175D3DCCD1}">
+              <a14:hiddenFill xmlns:a14="http://schemas.microsoft.com/office/drawing/2010/main">
+                <a:solidFill>
+                  <a:schemeClr val="accent1"/>
+                </a:solidFill>
+              </a14:hiddenFill>
+            </a:ext>
+            <a:ext uri="{91240B29-F687-4F45-9708-019B960494DF}">
+              <a14:hiddenLine xmlns:a14="http://schemas.microsoft.com/office/drawing/2010/main" w="9525">
+                <a:solidFill>
+                  <a:schemeClr val="tx1"/>
+                </a:solidFill>
+                <a:miter lim="800000"/>
+                <a:headEnd/>
+                <a:tailEnd/>
+              </a14:hiddenLine>
+            </a:ext>
+            <a:ext uri="{AF507438-7753-43E0-B8FC-AC1667EBCBE1}">
+              <a14:hiddenEffects xmlns:a14="http://schemas.microsoft.com/office/drawing/2010/main">
+                <a:effectLst>
+                  <a:outerShdw dist="35921" dir="2700000" algn="ctr" rotWithShape="0">
+                    <a:schemeClr val="bg2"/>
+                  </a:outerShdw>
+                </a:effectLst>
+              </a14:hiddenEffects>
+            </a:ext>
+          </a:extLst>
+        </p:spPr>
+        <p:txBody>
+          <a:bodyPr vert="horz" wrap="none" lIns="91440" tIns="45720" rIns="91440" bIns="45720" numCol="1" anchor="ctr" anchorCtr="0" compatLnSpc="1">
+            <a:prstTxWarp prst="textNoShape">
+              <a:avLst/>
+            </a:prstTxWarp>
+            <a:spAutoFit/>
+          </a:bodyPr>
+          <a:lstStyle/>
+          <a:p>
+            <a:pPr marL="0" marR="0" lvl="0" indent="0" algn="l" defTabSz="914400" rtl="0" eaLnBrk="0" fontAlgn="base" latinLnBrk="0" hangingPunct="0">
+              <a:lnSpc>
+                <a:spcPct val="100000"/>
+              </a:lnSpc>
+              <a:spcBef>
+                <a:spcPct val="0"/>
+              </a:spcBef>
+              <a:spcAft>
+                <a:spcPct val="0"/>
+              </a:spcAft>
+              <a:buClrTx/>
+              <a:buSzTx/>
+              <a:tabLst/>
+            </a:pPr>
+            <a:r>
+              <a:rPr kumimoji="0" lang="en-US" altLang="ja-JP" sz="2800" dirty="0">
+                <a:latin typeface="Arial" panose="020B0604020202020204" pitchFamily="34" charset="0"/>
+              </a:rPr>
+              <a:t>Service</a:t>
+            </a:r>
+            <a:r>
+              <a:rPr kumimoji="0" lang="ja-JP" altLang="en-US" sz="2800" i="0" u="none" strike="noStrike" cap="none" normalizeH="0" baseline="0" dirty="0">
+                <a:ln>
+                  <a:noFill/>
+                </a:ln>
+                <a:effectLst/>
+                <a:latin typeface="Arial" panose="020B0604020202020204" pitchFamily="34" charset="0"/>
+              </a:rPr>
+              <a:t>を作成</a:t>
+            </a:r>
+            <a:endParaRPr kumimoji="0" lang="en-US" altLang="ja-JP" sz="2800" i="0" u="none" strike="noStrike" cap="none" normalizeH="0" baseline="0" dirty="0">
+              <a:ln>
+                <a:noFill/>
+              </a:ln>
+              <a:effectLst/>
+              <a:latin typeface="Arial" panose="020B0604020202020204" pitchFamily="34" charset="0"/>
+            </a:endParaRPr>
+          </a:p>
+        </p:txBody>
+      </p:sp>
       <p:pic>
         <p:nvPicPr>
-          <p:cNvPr id="3" name="図 2">
-            <a:extLst>
-              <a:ext uri="{FF2B5EF4-FFF2-40B4-BE49-F238E27FC236}">
-                <a16:creationId xmlns:a16="http://schemas.microsoft.com/office/drawing/2014/main" id="{ED83E006-992F-7F56-3B40-C304BDB670E3}"/>
+          <p:cNvPr id="22" name="図 21">
+            <a:extLst>
+              <a:ext uri="{FF2B5EF4-FFF2-40B4-BE49-F238E27FC236}">
+                <a16:creationId xmlns:a16="http://schemas.microsoft.com/office/drawing/2014/main" id="{365D3987-12F1-1C11-B0B6-9F50C1DC1111}"/>
               </a:ext>
             </a:extLst>
           </p:cNvPr>
@@ -6944,14 +7009,75 @@
         </p:nvPicPr>
         <p:blipFill>
           <a:blip r:embed="rId2"/>
+          <a:srcRect b="70592"/>
           <a:stretch>
             <a:fillRect/>
           </a:stretch>
         </p:blipFill>
         <p:spPr>
           <a:xfrm>
-            <a:off x="254955" y="810974"/>
-            <a:ext cx="11682090" cy="3894030"/>
+            <a:off x="343949" y="2640606"/>
+            <a:ext cx="11434194" cy="523221"/>
+          </a:xfrm>
+          <a:prstGeom prst="rect">
+            <a:avLst/>
+          </a:prstGeom>
+        </p:spPr>
+      </p:pic>
+      <p:pic>
+        <p:nvPicPr>
+          <p:cNvPr id="24" name="図 23">
+            <a:extLst>
+              <a:ext uri="{FF2B5EF4-FFF2-40B4-BE49-F238E27FC236}">
+                <a16:creationId xmlns:a16="http://schemas.microsoft.com/office/drawing/2014/main" id="{67AC6EB0-13C5-5F0F-DE83-0A84D571AAB0}"/>
+              </a:ext>
+            </a:extLst>
+          </p:cNvPr>
+          <p:cNvPicPr>
+            <a:picLocks noChangeAspect="1"/>
+          </p:cNvPicPr>
+          <p:nvPr/>
+        </p:nvPicPr>
+        <p:blipFill>
+          <a:blip r:embed="rId3"/>
+          <a:stretch>
+            <a:fillRect/>
+          </a:stretch>
+        </p:blipFill>
+        <p:spPr>
+          <a:xfrm>
+            <a:off x="343949" y="991201"/>
+            <a:ext cx="11434194" cy="528623"/>
+          </a:xfrm>
+          <a:prstGeom prst="rect">
+            <a:avLst/>
+          </a:prstGeom>
+        </p:spPr>
+      </p:pic>
+      <p:pic>
+        <p:nvPicPr>
+          <p:cNvPr id="26" name="図 25">
+            <a:extLst>
+              <a:ext uri="{FF2B5EF4-FFF2-40B4-BE49-F238E27FC236}">
+                <a16:creationId xmlns:a16="http://schemas.microsoft.com/office/drawing/2014/main" id="{55D4E3DB-8919-7BC2-8DFF-EF4214264F1F}"/>
+              </a:ext>
+            </a:extLst>
+          </p:cNvPr>
+          <p:cNvPicPr>
+            <a:picLocks noChangeAspect="1"/>
+          </p:cNvPicPr>
+          <p:nvPr/>
+        </p:nvPicPr>
+        <p:blipFill>
+          <a:blip r:embed="rId4"/>
+          <a:stretch>
+            <a:fillRect/>
+          </a:stretch>
+        </p:blipFill>
+        <p:spPr>
+          <a:xfrm>
+            <a:off x="343949" y="3694174"/>
+            <a:ext cx="9183350" cy="2842465"/>
           </a:xfrm>
           <a:prstGeom prst="rect">
             <a:avLst/>
@@ -6976,7 +7102,13 @@
   <p:cSld>
     <p:spTree>
       <p:nvGrpSpPr>
-        <p:cNvPr id="1" name=""/>
+        <p:cNvPr id="1" name="">
+          <a:extLst>
+            <a:ext uri="{FF2B5EF4-FFF2-40B4-BE49-F238E27FC236}">
+              <a16:creationId xmlns:a16="http://schemas.microsoft.com/office/drawing/2014/main" id="{0DFC8A81-1ADB-0279-8A32-E4887BAF8C0D}"/>
+            </a:ext>
+          </a:extLst>
+        </p:cNvPr>
         <p:cNvGrpSpPr/>
         <p:nvPr/>
       </p:nvGrpSpPr>
@@ -6988,56 +7120,12 @@
           <a:chExt cx="0" cy="0"/>
         </a:xfrm>
       </p:grpSpPr>
-      <p:sp>
-        <p:nvSpPr>
-          <p:cNvPr id="4" name="テキスト ボックス 3">
-            <a:extLst>
-              <a:ext uri="{FF2B5EF4-FFF2-40B4-BE49-F238E27FC236}">
-                <a16:creationId xmlns:a16="http://schemas.microsoft.com/office/drawing/2014/main" id="{4D18B523-245E-186E-B499-47996B2CA785}"/>
-              </a:ext>
-            </a:extLst>
-          </p:cNvPr>
-          <p:cNvSpPr txBox="1"/>
-          <p:nvPr/>
-        </p:nvSpPr>
-        <p:spPr>
-          <a:xfrm>
-            <a:off x="494949" y="436228"/>
-            <a:ext cx="4301496" cy="523220"/>
-          </a:xfrm>
-          <a:prstGeom prst="rect">
-            <a:avLst/>
-          </a:prstGeom>
-          <a:noFill/>
-        </p:spPr>
-        <p:txBody>
-          <a:bodyPr wrap="square" rtlCol="0">
-            <a:spAutoFit/>
-          </a:bodyPr>
-          <a:lstStyle/>
-          <a:p>
-            <a:r>
-              <a:rPr lang="ja-JP" altLang="en-US" sz="2800" dirty="0"/>
-              <a:t>記事の情報を</a:t>
-            </a:r>
-            <a:r>
-              <a:rPr lang="en-US" altLang="ja-JP" sz="2800" dirty="0"/>
-              <a:t>DB</a:t>
-            </a:r>
-            <a:r>
-              <a:rPr lang="ja-JP" altLang="en-US" sz="2800" dirty="0"/>
-              <a:t>から取得</a:t>
-            </a:r>
-            <a:endParaRPr lang="en-US" altLang="ja-JP" sz="2800" dirty="0"/>
-          </a:p>
-        </p:txBody>
-      </p:sp>
       <p:pic>
         <p:nvPicPr>
-          <p:cNvPr id="6" name="図 5">
-            <a:extLst>
-              <a:ext uri="{FF2B5EF4-FFF2-40B4-BE49-F238E27FC236}">
-                <a16:creationId xmlns:a16="http://schemas.microsoft.com/office/drawing/2014/main" id="{48EA2406-8435-CE96-721E-BE048819771B}"/>
+          <p:cNvPr id="4" name="図 3">
+            <a:extLst>
+              <a:ext uri="{FF2B5EF4-FFF2-40B4-BE49-F238E27FC236}">
+                <a16:creationId xmlns:a16="http://schemas.microsoft.com/office/drawing/2014/main" id="{E0A75881-FD38-60E2-7947-649943AE0975}"/>
               </a:ext>
             </a:extLst>
           </p:cNvPr>
@@ -7054,8 +7142,8 @@
         </p:blipFill>
         <p:spPr>
           <a:xfrm>
-            <a:off x="494949" y="959448"/>
-            <a:ext cx="11729916" cy="4975834"/>
+            <a:off x="1284782" y="255864"/>
+            <a:ext cx="8951676" cy="6346272"/>
           </a:xfrm>
           <a:prstGeom prst="rect">
             <a:avLst/>
@@ -7065,7 +7153,7 @@
     </p:spTree>
     <p:extLst>
       <p:ext uri="{BB962C8B-B14F-4D97-AF65-F5344CB8AC3E}">
-        <p14:creationId xmlns:p14="http://schemas.microsoft.com/office/powerpoint/2010/main" val="2497884537"/>
+        <p14:creationId xmlns:p14="http://schemas.microsoft.com/office/powerpoint/2010/main" val="3995871287"/>
       </p:ext>
     </p:extLst>
   </p:cSld>
